--- a/doc/少女と廃墟の街　企画書、仕様書/少女と廃墟の街.pptx
+++ b/doc/少女と廃墟の街　企画書、仕様書/少女と廃墟の街.pptx
@@ -5,8 +5,17 @@
     <p:sldMasterId id="2147483648" r:id="rId1"/>
   </p:sldMasterIdLst>
   <p:sldIdLst>
-    <p:sldId id="256" r:id="rId2"/>
-    <p:sldId id="257" r:id="rId3"/>
+    <p:sldId id="258" r:id="rId2"/>
+    <p:sldId id="259" r:id="rId3"/>
+    <p:sldId id="260" r:id="rId4"/>
+    <p:sldId id="261" r:id="rId5"/>
+    <p:sldId id="262" r:id="rId6"/>
+    <p:sldId id="263" r:id="rId7"/>
+    <p:sldId id="264" r:id="rId8"/>
+    <p:sldId id="268" r:id="rId9"/>
+    <p:sldId id="265" r:id="rId10"/>
+    <p:sldId id="266" r:id="rId11"/>
+    <p:sldId id="267" r:id="rId12"/>
   </p:sldIdLst>
   <p:sldSz cx="12192000" cy="6858000"/>
   <p:notesSz cx="6858000" cy="9144000"/>
@@ -260,7 +269,7 @@
           <a:p>
             <a:fld id="{48119148-4B7D-4324-B6DB-30394E88AC42}" type="datetimeFigureOut">
               <a:rPr kumimoji="1" lang="ja-JP" altLang="en-US" smtClean="0"/>
-              <a:t>2025/10/21</a:t>
+              <a:t>2025/10/30</a:t>
             </a:fld>
             <a:endParaRPr kumimoji="1" lang="ja-JP" altLang="en-US"/>
           </a:p>
@@ -490,7 +499,7 @@
           <a:p>
             <a:fld id="{48119148-4B7D-4324-B6DB-30394E88AC42}" type="datetimeFigureOut">
               <a:rPr kumimoji="1" lang="ja-JP" altLang="en-US" smtClean="0"/>
-              <a:t>2025/10/21</a:t>
+              <a:t>2025/10/30</a:t>
             </a:fld>
             <a:endParaRPr kumimoji="1" lang="ja-JP" altLang="en-US"/>
           </a:p>
@@ -730,7 +739,7 @@
           <a:p>
             <a:fld id="{48119148-4B7D-4324-B6DB-30394E88AC42}" type="datetimeFigureOut">
               <a:rPr kumimoji="1" lang="ja-JP" altLang="en-US" smtClean="0"/>
-              <a:t>2025/10/21</a:t>
+              <a:t>2025/10/30</a:t>
             </a:fld>
             <a:endParaRPr kumimoji="1" lang="ja-JP" altLang="en-US"/>
           </a:p>
@@ -960,7 +969,7 @@
           <a:p>
             <a:fld id="{48119148-4B7D-4324-B6DB-30394E88AC42}" type="datetimeFigureOut">
               <a:rPr kumimoji="1" lang="ja-JP" altLang="en-US" smtClean="0"/>
-              <a:t>2025/10/21</a:t>
+              <a:t>2025/10/30</a:t>
             </a:fld>
             <a:endParaRPr kumimoji="1" lang="ja-JP" altLang="en-US"/>
           </a:p>
@@ -1235,7 +1244,7 @@
           <a:p>
             <a:fld id="{48119148-4B7D-4324-B6DB-30394E88AC42}" type="datetimeFigureOut">
               <a:rPr kumimoji="1" lang="ja-JP" altLang="en-US" smtClean="0"/>
-              <a:t>2025/10/21</a:t>
+              <a:t>2025/10/30</a:t>
             </a:fld>
             <a:endParaRPr kumimoji="1" lang="ja-JP" altLang="en-US"/>
           </a:p>
@@ -1564,7 +1573,7 @@
           <a:p>
             <a:fld id="{48119148-4B7D-4324-B6DB-30394E88AC42}" type="datetimeFigureOut">
               <a:rPr kumimoji="1" lang="ja-JP" altLang="en-US" smtClean="0"/>
-              <a:t>2025/10/21</a:t>
+              <a:t>2025/10/30</a:t>
             </a:fld>
             <a:endParaRPr kumimoji="1" lang="ja-JP" altLang="en-US"/>
           </a:p>
@@ -2040,7 +2049,7 @@
           <a:p>
             <a:fld id="{48119148-4B7D-4324-B6DB-30394E88AC42}" type="datetimeFigureOut">
               <a:rPr kumimoji="1" lang="ja-JP" altLang="en-US" smtClean="0"/>
-              <a:t>2025/10/21</a:t>
+              <a:t>2025/10/30</a:t>
             </a:fld>
             <a:endParaRPr kumimoji="1" lang="ja-JP" altLang="en-US"/>
           </a:p>
@@ -2181,7 +2190,7 @@
           <a:p>
             <a:fld id="{48119148-4B7D-4324-B6DB-30394E88AC42}" type="datetimeFigureOut">
               <a:rPr kumimoji="1" lang="ja-JP" altLang="en-US" smtClean="0"/>
-              <a:t>2025/10/21</a:t>
+              <a:t>2025/10/30</a:t>
             </a:fld>
             <a:endParaRPr kumimoji="1" lang="ja-JP" altLang="en-US"/>
           </a:p>
@@ -2294,7 +2303,7 @@
           <a:p>
             <a:fld id="{48119148-4B7D-4324-B6DB-30394E88AC42}" type="datetimeFigureOut">
               <a:rPr kumimoji="1" lang="ja-JP" altLang="en-US" smtClean="0"/>
-              <a:t>2025/10/21</a:t>
+              <a:t>2025/10/30</a:t>
             </a:fld>
             <a:endParaRPr kumimoji="1" lang="ja-JP" altLang="en-US"/>
           </a:p>
@@ -2637,7 +2646,7 @@
           <a:p>
             <a:fld id="{48119148-4B7D-4324-B6DB-30394E88AC42}" type="datetimeFigureOut">
               <a:rPr kumimoji="1" lang="ja-JP" altLang="en-US" smtClean="0"/>
-              <a:t>2025/10/21</a:t>
+              <a:t>2025/10/30</a:t>
             </a:fld>
             <a:endParaRPr kumimoji="1" lang="ja-JP" altLang="en-US"/>
           </a:p>
@@ -2925,7 +2934,7 @@
           <a:p>
             <a:fld id="{48119148-4B7D-4324-B6DB-30394E88AC42}" type="datetimeFigureOut">
               <a:rPr kumimoji="1" lang="ja-JP" altLang="en-US" smtClean="0"/>
-              <a:t>2025/10/21</a:t>
+              <a:t>2025/10/30</a:t>
             </a:fld>
             <a:endParaRPr kumimoji="1" lang="ja-JP" altLang="en-US"/>
           </a:p>
@@ -3198,7 +3207,7 @@
           <a:p>
             <a:fld id="{48119148-4B7D-4324-B6DB-30394E88AC42}" type="datetimeFigureOut">
               <a:rPr kumimoji="1" lang="ja-JP" altLang="en-US" smtClean="0"/>
-              <a:t>2025/10/21</a:t>
+              <a:t>2025/10/30</a:t>
             </a:fld>
             <a:endParaRPr kumimoji="1" lang="ja-JP" altLang="en-US"/>
           </a:p>
@@ -3615,88 +3624,112 @@
           <a:chExt cx="0" cy="0"/>
         </a:xfrm>
       </p:grpSpPr>
-      <p:pic>
-        <p:nvPicPr>
-          <p:cNvPr id="8" name="図 7">
-            <a:extLst>
-              <a:ext uri="{FF2B5EF4-FFF2-40B4-BE49-F238E27FC236}">
-                <a16:creationId xmlns:a16="http://schemas.microsoft.com/office/drawing/2014/main" id="{7DDAC110-CAAB-407C-B40C-B6C8F4D3F12A}"/>
-              </a:ext>
-            </a:extLst>
-          </p:cNvPr>
-          <p:cNvPicPr>
-            <a:picLocks noChangeAspect="1"/>
-          </p:cNvPicPr>
+      <p:sp>
+        <p:nvSpPr>
+          <p:cNvPr id="4" name="タイトル 1">
+            <a:extLst>
+              <a:ext uri="{FF2B5EF4-FFF2-40B4-BE49-F238E27FC236}">
+                <a16:creationId xmlns:a16="http://schemas.microsoft.com/office/drawing/2014/main" id="{19ABFA6F-4ED1-4DEC-B43B-8C2765FCC87D}"/>
+              </a:ext>
+            </a:extLst>
+          </p:cNvPr>
+          <p:cNvSpPr txBox="1">
+            <a:spLocks/>
+          </p:cNvSpPr>
           <p:nvPr/>
-        </p:nvPicPr>
-        <p:blipFill>
-          <a:blip r:embed="rId2">
-            <a:alphaModFix amt="85000"/>
-            <a:extLst>
-              <a:ext uri="{28A0092B-C50C-407E-A947-70E740481C1C}">
-                <a14:useLocalDpi xmlns:a14="http://schemas.microsoft.com/office/drawing/2010/main" val="0"/>
-              </a:ext>
-            </a:extLst>
-          </a:blip>
-          <a:stretch>
-            <a:fillRect/>
-          </a:stretch>
-        </p:blipFill>
+        </p:nvSpPr>
         <p:spPr>
           <a:xfrm>
-            <a:off x="0" y="0"/>
-            <a:ext cx="12192000" cy="6858000"/>
+            <a:off x="3214687" y="1689100"/>
+            <a:ext cx="5762625" cy="2387600"/>
           </a:xfrm>
           <a:prstGeom prst="rect">
             <a:avLst/>
           </a:prstGeom>
         </p:spPr>
-      </p:pic>
-      <p:sp>
-        <p:nvSpPr>
-          <p:cNvPr id="2" name="タイトル 1">
-            <a:extLst>
-              <a:ext uri="{FF2B5EF4-FFF2-40B4-BE49-F238E27FC236}">
-                <a16:creationId xmlns:a16="http://schemas.microsoft.com/office/drawing/2014/main" id="{19ABFA6F-4ED1-4DEC-B43B-8C2765FCC87D}"/>
-              </a:ext>
-            </a:extLst>
-          </p:cNvPr>
-          <p:cNvSpPr>
-            <a:spLocks noGrp="1"/>
-          </p:cNvSpPr>
-          <p:nvPr>
-            <p:ph type="ctrTitle"/>
-          </p:nvPr>
+        <p:txBody>
+          <a:bodyPr vert="horz" lIns="91440" tIns="45720" rIns="91440" bIns="45720" rtlCol="0" anchor="ctr">
+            <a:normAutofit/>
+          </a:bodyPr>
+          <a:lstStyle>
+            <a:lvl1pPr algn="l" defTabSz="914400" rtl="0" eaLnBrk="1" latinLnBrk="0" hangingPunct="1">
+              <a:lnSpc>
+                <a:spcPct val="90000"/>
+              </a:lnSpc>
+              <a:spcBef>
+                <a:spcPct val="0"/>
+              </a:spcBef>
+              <a:buNone/>
+              <a:defRPr kumimoji="1" sz="4400" kern="1200">
+                <a:solidFill>
+                  <a:schemeClr val="tx1"/>
+                </a:solidFill>
+                <a:latin typeface="+mj-lt"/>
+                <a:ea typeface="+mj-ea"/>
+                <a:cs typeface="+mj-cs"/>
+              </a:defRPr>
+            </a:lvl1pPr>
+          </a:lstStyle>
+          <a:p>
+            <a:r>
+              <a:rPr lang="ja-JP" altLang="en-US" sz="6000" b="1" dirty="0">
+                <a:latin typeface="Malgun Gothic Semilight" panose="020B0502040204020203" pitchFamily="50" charset="-128"/>
+                <a:ea typeface="Malgun Gothic Semilight" panose="020B0502040204020203" pitchFamily="50" charset="-128"/>
+                <a:cs typeface="Malgun Gothic Semilight" panose="020B0502040204020203" pitchFamily="50" charset="-128"/>
+              </a:rPr>
+              <a:t>少女と廃墟の街</a:t>
+            </a:r>
+          </a:p>
+        </p:txBody>
+      </p:sp>
+      <p:sp>
+        <p:nvSpPr>
+          <p:cNvPr id="5" name="タイトル 1">
+            <a:extLst>
+              <a:ext uri="{FF2B5EF4-FFF2-40B4-BE49-F238E27FC236}">
+                <a16:creationId xmlns:a16="http://schemas.microsoft.com/office/drawing/2014/main" id="{1E95A457-FE96-6A7D-2520-DECD8CBA3722}"/>
+              </a:ext>
+            </a:extLst>
+          </p:cNvPr>
+          <p:cNvSpPr txBox="1">
+            <a:spLocks/>
+          </p:cNvSpPr>
+          <p:nvPr/>
         </p:nvSpPr>
         <p:spPr>
           <a:xfrm>
-            <a:off x="1524000" y="570644"/>
-            <a:ext cx="9144000" cy="2387600"/>
+            <a:off x="4333875" y="3076575"/>
+            <a:ext cx="5762625" cy="2387600"/>
           </a:xfrm>
+          <a:prstGeom prst="rect">
+            <a:avLst/>
+          </a:prstGeom>
         </p:spPr>
         <p:txBody>
-          <a:bodyPr/>
-          <a:lstStyle/>
-          <a:p>
-            <a:r>
-              <a:rPr lang="ja-JP" altLang="en-US" dirty="0">
+          <a:bodyPr vert="horz" lIns="91440" tIns="45720" rIns="91440" bIns="45720" rtlCol="0" anchor="ctr">
+            <a:normAutofit/>
+          </a:bodyPr>
+          <a:lstStyle>
+            <a:lvl1pPr algn="l" defTabSz="914400" rtl="0" eaLnBrk="1" latinLnBrk="0" hangingPunct="1">
+              <a:lnSpc>
+                <a:spcPct val="90000"/>
+              </a:lnSpc>
+              <a:spcBef>
+                <a:spcPct val="0"/>
+              </a:spcBef>
+              <a:buNone/>
+              <a:defRPr kumimoji="1" sz="4400" kern="1200">
                 <a:solidFill>
-                  <a:schemeClr val="bg1">
-                    <a:lumMod val="95000"/>
-                  </a:schemeClr>
+                  <a:schemeClr val="tx1"/>
                 </a:solidFill>
-                <a:latin typeface="Malgun Gothic Semilight" panose="020B0502040204020203" pitchFamily="50" charset="-128"/>
-                <a:ea typeface="Malgun Gothic Semilight" panose="020B0502040204020203" pitchFamily="50" charset="-128"/>
-                <a:cs typeface="Malgun Gothic Semilight" panose="020B0502040204020203" pitchFamily="50" charset="-128"/>
-              </a:rPr>
-              <a:t>少女と廃墟の街</a:t>
-            </a:r>
-            <a:endParaRPr kumimoji="1" lang="ja-JP" altLang="en-US" dirty="0">
-              <a:solidFill>
-                <a:schemeClr val="bg1">
-                  <a:lumMod val="95000"/>
-                </a:schemeClr>
-              </a:solidFill>
+                <a:latin typeface="+mj-lt"/>
+                <a:ea typeface="+mj-ea"/>
+                <a:cs typeface="+mj-cs"/>
+              </a:defRPr>
+            </a:lvl1pPr>
+          </a:lstStyle>
+          <a:p>
+            <a:endParaRPr lang="ja-JP" altLang="en-US" sz="2800" b="1" dirty="0">
               <a:latin typeface="Malgun Gothic Semilight" panose="020B0502040204020203" pitchFamily="50" charset="-128"/>
               <a:ea typeface="Malgun Gothic Semilight" panose="020B0502040204020203" pitchFamily="50" charset="-128"/>
               <a:cs typeface="Malgun Gothic Semilight" panose="020B0502040204020203" pitchFamily="50" charset="-128"/>
@@ -3704,52 +3737,198 @@
           </a:p>
         </p:txBody>
       </p:sp>
-      <p:sp>
-        <p:nvSpPr>
-          <p:cNvPr id="3" name="字幕 2">
-            <a:extLst>
-              <a:ext uri="{FF2B5EF4-FFF2-40B4-BE49-F238E27FC236}">
-                <a16:creationId xmlns:a16="http://schemas.microsoft.com/office/drawing/2014/main" id="{9430DDAC-53AA-404D-9208-974EA2C5928F}"/>
-              </a:ext>
-            </a:extLst>
-          </p:cNvPr>
-          <p:cNvSpPr>
-            <a:spLocks noGrp="1"/>
-          </p:cNvSpPr>
-          <p:nvPr>
-            <p:ph type="subTitle" idx="1"/>
-          </p:nvPr>
-        </p:nvSpPr>
-        <p:spPr>
-          <a:xfrm>
-            <a:off x="1524000" y="3252360"/>
-            <a:ext cx="9144000" cy="1655762"/>
-          </a:xfrm>
-        </p:spPr>
-        <p:txBody>
-          <a:bodyPr/>
-          <a:lstStyle/>
-          <a:p>
-            <a:r>
-              <a:rPr lang="ja-JP" altLang="en-US" dirty="0">
-                <a:solidFill>
-                  <a:schemeClr val="bg1"/>
-                </a:solidFill>
-              </a:rPr>
-              <a:t>ー剣と弓と魔法のアクションゲームー</a:t>
-            </a:r>
-            <a:endParaRPr kumimoji="1" lang="ja-JP" altLang="en-US" dirty="0">
-              <a:solidFill>
-                <a:schemeClr val="bg1"/>
-              </a:solidFill>
-            </a:endParaRPr>
-          </a:p>
-        </p:txBody>
-      </p:sp>
     </p:spTree>
     <p:extLst>
       <p:ext uri="{BB962C8B-B14F-4D97-AF65-F5344CB8AC3E}">
-        <p14:creationId xmlns:p14="http://schemas.microsoft.com/office/powerpoint/2010/main" val="2951245858"/>
+        <p14:creationId xmlns:p14="http://schemas.microsoft.com/office/powerpoint/2010/main" val="3513114936"/>
+      </p:ext>
+    </p:extLst>
+  </p:cSld>
+  <p:clrMapOvr>
+    <a:masterClrMapping/>
+  </p:clrMapOvr>
+</p:sld>
+</file>
+
+<file path=ppt/slides/slide10.xml><?xml version="1.0" encoding="utf-8"?>
+<p:sld xmlns:a="http://schemas.openxmlformats.org/drawingml/2006/main" xmlns:r="http://schemas.openxmlformats.org/officeDocument/2006/relationships" xmlns:p="http://schemas.openxmlformats.org/presentationml/2006/main">
+  <p:cSld>
+    <p:spTree>
+      <p:nvGrpSpPr>
+        <p:cNvPr id="1" name="">
+          <a:extLst>
+            <a:ext uri="{FF2B5EF4-FFF2-40B4-BE49-F238E27FC236}">
+              <a16:creationId xmlns:a16="http://schemas.microsoft.com/office/drawing/2014/main" id="{ECA61665-7062-1055-A3D6-60A1CCA56F84}"/>
+            </a:ext>
+          </a:extLst>
+        </p:cNvPr>
+        <p:cNvGrpSpPr/>
+        <p:nvPr/>
+      </p:nvGrpSpPr>
+      <p:grpSpPr>
+        <a:xfrm>
+          <a:off x="0" y="0"/>
+          <a:ext cx="0" cy="0"/>
+          <a:chOff x="0" y="0"/>
+          <a:chExt cx="0" cy="0"/>
+        </a:xfrm>
+      </p:grpSpPr>
+      <p:sp>
+        <p:nvSpPr>
+          <p:cNvPr id="4" name="タイトル 1">
+            <a:extLst>
+              <a:ext uri="{FF2B5EF4-FFF2-40B4-BE49-F238E27FC236}">
+                <a16:creationId xmlns:a16="http://schemas.microsoft.com/office/drawing/2014/main" id="{17F86D77-FB16-9EB8-C338-9D09E80A402D}"/>
+              </a:ext>
+            </a:extLst>
+          </p:cNvPr>
+          <p:cNvSpPr txBox="1">
+            <a:spLocks/>
+          </p:cNvSpPr>
+          <p:nvPr/>
+        </p:nvSpPr>
+        <p:spPr>
+          <a:xfrm>
+            <a:off x="333375" y="-339725"/>
+            <a:ext cx="5762625" cy="2387600"/>
+          </a:xfrm>
+          <a:prstGeom prst="rect">
+            <a:avLst/>
+          </a:prstGeom>
+        </p:spPr>
+        <p:txBody>
+          <a:bodyPr vert="horz" lIns="91440" tIns="45720" rIns="91440" bIns="45720" rtlCol="0" anchor="ctr">
+            <a:normAutofit/>
+          </a:bodyPr>
+          <a:lstStyle>
+            <a:lvl1pPr algn="l" defTabSz="914400" rtl="0" eaLnBrk="1" latinLnBrk="0" hangingPunct="1">
+              <a:lnSpc>
+                <a:spcPct val="90000"/>
+              </a:lnSpc>
+              <a:spcBef>
+                <a:spcPct val="0"/>
+              </a:spcBef>
+              <a:buNone/>
+              <a:defRPr kumimoji="1" sz="4400" kern="1200">
+                <a:solidFill>
+                  <a:schemeClr val="tx1"/>
+                </a:solidFill>
+                <a:latin typeface="+mj-lt"/>
+                <a:ea typeface="+mj-ea"/>
+                <a:cs typeface="+mj-cs"/>
+              </a:defRPr>
+            </a:lvl1pPr>
+          </a:lstStyle>
+          <a:p>
+            <a:r>
+              <a:rPr lang="ja-JP" altLang="en-US" sz="5400" b="1" dirty="0">
+                <a:latin typeface="Malgun Gothic Semilight" panose="020B0502040204020203" pitchFamily="50" charset="-128"/>
+                <a:ea typeface="Malgun Gothic Semilight" panose="020B0502040204020203" pitchFamily="50" charset="-128"/>
+                <a:cs typeface="Malgun Gothic Semilight" panose="020B0502040204020203" pitchFamily="50" charset="-128"/>
+              </a:rPr>
+              <a:t>演出・表現</a:t>
+            </a:r>
+          </a:p>
+        </p:txBody>
+      </p:sp>
+    </p:spTree>
+    <p:extLst>
+      <p:ext uri="{BB962C8B-B14F-4D97-AF65-F5344CB8AC3E}">
+        <p14:creationId xmlns:p14="http://schemas.microsoft.com/office/powerpoint/2010/main" val="772966368"/>
+      </p:ext>
+    </p:extLst>
+  </p:cSld>
+  <p:clrMapOvr>
+    <a:masterClrMapping/>
+  </p:clrMapOvr>
+</p:sld>
+</file>
+
+<file path=ppt/slides/slide11.xml><?xml version="1.0" encoding="utf-8"?>
+<p:sld xmlns:a="http://schemas.openxmlformats.org/drawingml/2006/main" xmlns:r="http://schemas.openxmlformats.org/officeDocument/2006/relationships" xmlns:p="http://schemas.openxmlformats.org/presentationml/2006/main">
+  <p:cSld>
+    <p:spTree>
+      <p:nvGrpSpPr>
+        <p:cNvPr id="1" name="">
+          <a:extLst>
+            <a:ext uri="{FF2B5EF4-FFF2-40B4-BE49-F238E27FC236}">
+              <a16:creationId xmlns:a16="http://schemas.microsoft.com/office/drawing/2014/main" id="{3BFE2064-55AE-644E-D7B3-094E39B77920}"/>
+            </a:ext>
+          </a:extLst>
+        </p:cNvPr>
+        <p:cNvGrpSpPr/>
+        <p:nvPr/>
+      </p:nvGrpSpPr>
+      <p:grpSpPr>
+        <a:xfrm>
+          <a:off x="0" y="0"/>
+          <a:ext cx="0" cy="0"/>
+          <a:chOff x="0" y="0"/>
+          <a:chExt cx="0" cy="0"/>
+        </a:xfrm>
+      </p:grpSpPr>
+      <p:sp>
+        <p:nvSpPr>
+          <p:cNvPr id="4" name="タイトル 1">
+            <a:extLst>
+              <a:ext uri="{FF2B5EF4-FFF2-40B4-BE49-F238E27FC236}">
+                <a16:creationId xmlns:a16="http://schemas.microsoft.com/office/drawing/2014/main" id="{82C923DE-BD46-6DC6-8BF7-F96A0C7F64B8}"/>
+              </a:ext>
+            </a:extLst>
+          </p:cNvPr>
+          <p:cNvSpPr txBox="1">
+            <a:spLocks/>
+          </p:cNvSpPr>
+          <p:nvPr/>
+        </p:nvSpPr>
+        <p:spPr>
+          <a:xfrm>
+            <a:off x="333375" y="-339725"/>
+            <a:ext cx="5762625" cy="2387600"/>
+          </a:xfrm>
+          <a:prstGeom prst="rect">
+            <a:avLst/>
+          </a:prstGeom>
+        </p:spPr>
+        <p:txBody>
+          <a:bodyPr vert="horz" lIns="91440" tIns="45720" rIns="91440" bIns="45720" rtlCol="0" anchor="ctr">
+            <a:normAutofit/>
+          </a:bodyPr>
+          <a:lstStyle>
+            <a:lvl1pPr algn="l" defTabSz="914400" rtl="0" eaLnBrk="1" latinLnBrk="0" hangingPunct="1">
+              <a:lnSpc>
+                <a:spcPct val="90000"/>
+              </a:lnSpc>
+              <a:spcBef>
+                <a:spcPct val="0"/>
+              </a:spcBef>
+              <a:buNone/>
+              <a:defRPr kumimoji="1" sz="4400" kern="1200">
+                <a:solidFill>
+                  <a:schemeClr val="tx1"/>
+                </a:solidFill>
+                <a:latin typeface="+mj-lt"/>
+                <a:ea typeface="+mj-ea"/>
+                <a:cs typeface="+mj-cs"/>
+              </a:defRPr>
+            </a:lvl1pPr>
+          </a:lstStyle>
+          <a:p>
+            <a:r>
+              <a:rPr lang="ja-JP" altLang="en-US" sz="5400" b="1" dirty="0">
+                <a:latin typeface="Malgun Gothic Semilight" panose="020B0502040204020203" pitchFamily="50" charset="-128"/>
+                <a:ea typeface="Malgun Gothic Semilight" panose="020B0502040204020203" pitchFamily="50" charset="-128"/>
+                <a:cs typeface="Malgun Gothic Semilight" panose="020B0502040204020203" pitchFamily="50" charset="-128"/>
+              </a:rPr>
+              <a:t>まとめ</a:t>
+            </a:r>
+          </a:p>
+        </p:txBody>
+      </p:sp>
+    </p:spTree>
+    <p:extLst>
+      <p:ext uri="{BB962C8B-B14F-4D97-AF65-F5344CB8AC3E}">
+        <p14:creationId xmlns:p14="http://schemas.microsoft.com/office/powerpoint/2010/main" val="417638901"/>
       </p:ext>
     </p:extLst>
   </p:cSld>
@@ -3778,10 +3957,816 @@
       </p:grpSpPr>
       <p:sp>
         <p:nvSpPr>
-          <p:cNvPr id="5" name="テキスト ボックス 4">
-            <a:extLst>
-              <a:ext uri="{FF2B5EF4-FFF2-40B4-BE49-F238E27FC236}">
-                <a16:creationId xmlns:a16="http://schemas.microsoft.com/office/drawing/2014/main" id="{B2805955-366D-478B-B533-DA176A3E5E5A}"/>
+          <p:cNvPr id="4" name="タイトル 1">
+            <a:extLst>
+              <a:ext uri="{FF2B5EF4-FFF2-40B4-BE49-F238E27FC236}">
+                <a16:creationId xmlns:a16="http://schemas.microsoft.com/office/drawing/2014/main" id="{E81E17C2-AF2D-EA04-D052-60C3AFD7DFF7}"/>
+              </a:ext>
+            </a:extLst>
+          </p:cNvPr>
+          <p:cNvSpPr txBox="1">
+            <a:spLocks/>
+          </p:cNvSpPr>
+          <p:nvPr/>
+        </p:nvSpPr>
+        <p:spPr>
+          <a:xfrm>
+            <a:off x="438149" y="-92075"/>
+            <a:ext cx="5762625" cy="2387600"/>
+          </a:xfrm>
+          <a:prstGeom prst="rect">
+            <a:avLst/>
+          </a:prstGeom>
+        </p:spPr>
+        <p:txBody>
+          <a:bodyPr vert="horz" lIns="91440" tIns="45720" rIns="91440" bIns="45720" rtlCol="0" anchor="ctr">
+            <a:normAutofit/>
+          </a:bodyPr>
+          <a:lstStyle>
+            <a:lvl1pPr algn="l" defTabSz="914400" rtl="0" eaLnBrk="1" latinLnBrk="0" hangingPunct="1">
+              <a:lnSpc>
+                <a:spcPct val="90000"/>
+              </a:lnSpc>
+              <a:spcBef>
+                <a:spcPct val="0"/>
+              </a:spcBef>
+              <a:buNone/>
+              <a:defRPr kumimoji="1" sz="4400" kern="1200">
+                <a:solidFill>
+                  <a:schemeClr val="tx1"/>
+                </a:solidFill>
+                <a:latin typeface="+mj-lt"/>
+                <a:ea typeface="+mj-ea"/>
+                <a:cs typeface="+mj-cs"/>
+              </a:defRPr>
+            </a:lvl1pPr>
+          </a:lstStyle>
+          <a:p>
+            <a:r>
+              <a:rPr lang="ja-JP" altLang="en-US" sz="5400" b="1" dirty="0">
+                <a:latin typeface="Malgun Gothic Semilight" panose="020B0502040204020203" pitchFamily="50" charset="-128"/>
+                <a:ea typeface="Malgun Gothic Semilight" panose="020B0502040204020203" pitchFamily="50" charset="-128"/>
+                <a:cs typeface="Malgun Gothic Semilight" panose="020B0502040204020203" pitchFamily="50" charset="-128"/>
+              </a:rPr>
+              <a:t>コンセプト</a:t>
+            </a:r>
+          </a:p>
+        </p:txBody>
+      </p:sp>
+      <p:sp>
+        <p:nvSpPr>
+          <p:cNvPr id="5" name="タイトル 1">
+            <a:extLst>
+              <a:ext uri="{FF2B5EF4-FFF2-40B4-BE49-F238E27FC236}">
+                <a16:creationId xmlns:a16="http://schemas.microsoft.com/office/drawing/2014/main" id="{E29ED3C5-77A1-32B6-D0AF-F14E09829216}"/>
+              </a:ext>
+            </a:extLst>
+          </p:cNvPr>
+          <p:cNvSpPr txBox="1">
+            <a:spLocks/>
+          </p:cNvSpPr>
+          <p:nvPr/>
+        </p:nvSpPr>
+        <p:spPr>
+          <a:xfrm>
+            <a:off x="3319462" y="1250950"/>
+            <a:ext cx="5762625" cy="2387600"/>
+          </a:xfrm>
+          <a:prstGeom prst="rect">
+            <a:avLst/>
+          </a:prstGeom>
+        </p:spPr>
+        <p:txBody>
+          <a:bodyPr vert="horz" lIns="91440" tIns="45720" rIns="91440" bIns="45720" rtlCol="0" anchor="ctr">
+            <a:normAutofit/>
+          </a:bodyPr>
+          <a:lstStyle>
+            <a:lvl1pPr algn="l" defTabSz="914400" rtl="0" eaLnBrk="1" latinLnBrk="0" hangingPunct="1">
+              <a:lnSpc>
+                <a:spcPct val="90000"/>
+              </a:lnSpc>
+              <a:spcBef>
+                <a:spcPct val="0"/>
+              </a:spcBef>
+              <a:buNone/>
+              <a:defRPr kumimoji="1" sz="4400" kern="1200">
+                <a:solidFill>
+                  <a:schemeClr val="tx1"/>
+                </a:solidFill>
+                <a:latin typeface="+mj-lt"/>
+                <a:ea typeface="+mj-ea"/>
+                <a:cs typeface="+mj-cs"/>
+              </a:defRPr>
+            </a:lvl1pPr>
+          </a:lstStyle>
+          <a:p>
+            <a:r>
+              <a:rPr lang="ja-JP" altLang="en-US" sz="3600" b="1" dirty="0">
+                <a:latin typeface="Malgun Gothic Semilight" panose="020B0502040204020203" pitchFamily="50" charset="-128"/>
+                <a:ea typeface="Malgun Gothic Semilight" panose="020B0502040204020203" pitchFamily="50" charset="-128"/>
+                <a:cs typeface="Malgun Gothic Semilight" panose="020B0502040204020203" pitchFamily="50" charset="-128"/>
+              </a:rPr>
+              <a:t>「正義のための殺戮」</a:t>
+            </a:r>
+          </a:p>
+        </p:txBody>
+      </p:sp>
+      <p:sp>
+        <p:nvSpPr>
+          <p:cNvPr id="6" name="タイトル 1">
+            <a:extLst>
+              <a:ext uri="{FF2B5EF4-FFF2-40B4-BE49-F238E27FC236}">
+                <a16:creationId xmlns:a16="http://schemas.microsoft.com/office/drawing/2014/main" id="{BA0E42B9-FE24-2F42-2A80-90D9D9C915E3}"/>
+              </a:ext>
+            </a:extLst>
+          </p:cNvPr>
+          <p:cNvSpPr txBox="1">
+            <a:spLocks/>
+          </p:cNvSpPr>
+          <p:nvPr/>
+        </p:nvSpPr>
+        <p:spPr>
+          <a:xfrm>
+            <a:off x="871537" y="2803525"/>
+            <a:ext cx="11320463" cy="3302000"/>
+          </a:xfrm>
+          <a:prstGeom prst="rect">
+            <a:avLst/>
+          </a:prstGeom>
+        </p:spPr>
+        <p:txBody>
+          <a:bodyPr vert="horz" lIns="91440" tIns="45720" rIns="91440" bIns="45720" rtlCol="0" anchor="ctr">
+            <a:normAutofit/>
+          </a:bodyPr>
+          <a:lstStyle>
+            <a:lvl1pPr algn="l" defTabSz="914400" rtl="0" eaLnBrk="1" latinLnBrk="0" hangingPunct="1">
+              <a:lnSpc>
+                <a:spcPct val="90000"/>
+              </a:lnSpc>
+              <a:spcBef>
+                <a:spcPct val="0"/>
+              </a:spcBef>
+              <a:buNone/>
+              <a:defRPr kumimoji="1" sz="4400" kern="1200">
+                <a:solidFill>
+                  <a:schemeClr val="tx1"/>
+                </a:solidFill>
+                <a:latin typeface="+mj-lt"/>
+                <a:ea typeface="+mj-ea"/>
+                <a:cs typeface="+mj-cs"/>
+              </a:defRPr>
+            </a:lvl1pPr>
+          </a:lstStyle>
+          <a:p>
+            <a:pPr>
+              <a:lnSpc>
+                <a:spcPct val="150000"/>
+              </a:lnSpc>
+            </a:pPr>
+            <a:r>
+              <a:rPr lang="ja-JP" altLang="en-US" sz="3600" b="1" dirty="0">
+                <a:latin typeface="Malgun Gothic Semilight" panose="020B0502040204020203" pitchFamily="50" charset="-128"/>
+                <a:ea typeface="Malgun Gothic Semilight" panose="020B0502040204020203" pitchFamily="50" charset="-128"/>
+                <a:cs typeface="Malgun Gothic Semilight" panose="020B0502040204020203" pitchFamily="50" charset="-128"/>
+              </a:rPr>
+              <a:t>プレイヤーの操作そのものが</a:t>
+            </a:r>
+            <a:r>
+              <a:rPr lang="ja-JP" altLang="en-US" sz="3600" b="1" dirty="0">
+                <a:solidFill>
+                  <a:srgbClr val="800000"/>
+                </a:solidFill>
+                <a:latin typeface="Malgun Gothic Semilight" panose="020B0502040204020203" pitchFamily="50" charset="-128"/>
+                <a:ea typeface="Malgun Gothic Semilight" panose="020B0502040204020203" pitchFamily="50" charset="-128"/>
+                <a:cs typeface="Malgun Gothic Semilight" panose="020B0502040204020203" pitchFamily="50" charset="-128"/>
+              </a:rPr>
+              <a:t>“罪を重ねる行為”</a:t>
+            </a:r>
+            <a:br>
+              <a:rPr lang="en-US" altLang="ja-JP" sz="3600" b="1" dirty="0">
+                <a:solidFill>
+                  <a:srgbClr val="800000"/>
+                </a:solidFill>
+                <a:latin typeface="Malgun Gothic Semilight" panose="020B0502040204020203" pitchFamily="50" charset="-128"/>
+                <a:ea typeface="Malgun Gothic Semilight" panose="020B0502040204020203" pitchFamily="50" charset="-128"/>
+                <a:cs typeface="Malgun Gothic Semilight" panose="020B0502040204020203" pitchFamily="50" charset="-128"/>
+              </a:rPr>
+            </a:br>
+            <a:r>
+              <a:rPr lang="ja-JP" altLang="en-US" sz="3600" b="1" dirty="0">
+                <a:latin typeface="Malgun Gothic Semilight" panose="020B0502040204020203" pitchFamily="50" charset="-128"/>
+                <a:ea typeface="Malgun Gothic Semilight" panose="020B0502040204020203" pitchFamily="50" charset="-128"/>
+                <a:cs typeface="Malgun Gothic Semilight" panose="020B0502040204020203" pitchFamily="50" charset="-128"/>
+              </a:rPr>
+              <a:t>人類のために魔族を</a:t>
+            </a:r>
+            <a:r>
+              <a:rPr lang="ja-JP" altLang="en-US" sz="3600" b="1" dirty="0">
+                <a:solidFill>
+                  <a:srgbClr val="800000"/>
+                </a:solidFill>
+                <a:latin typeface="Malgun Gothic Semilight" panose="020B0502040204020203" pitchFamily="50" charset="-128"/>
+                <a:ea typeface="Malgun Gothic Semilight" panose="020B0502040204020203" pitchFamily="50" charset="-128"/>
+                <a:cs typeface="Malgun Gothic Semilight" panose="020B0502040204020203" pitchFamily="50" charset="-128"/>
+              </a:rPr>
+              <a:t>殺す</a:t>
+            </a:r>
+            <a:r>
+              <a:rPr lang="ja-JP" altLang="en-US" sz="3600" b="1" dirty="0">
+                <a:latin typeface="Malgun Gothic Semilight" panose="020B0502040204020203" pitchFamily="50" charset="-128"/>
+                <a:ea typeface="Malgun Gothic Semilight" panose="020B0502040204020203" pitchFamily="50" charset="-128"/>
+                <a:cs typeface="Malgun Gothic Semilight" panose="020B0502040204020203" pitchFamily="50" charset="-128"/>
+              </a:rPr>
+              <a:t>。自分たちの</a:t>
+            </a:r>
+            <a:r>
+              <a:rPr lang="ja-JP" altLang="en-US" sz="3600" b="1" dirty="0">
+                <a:solidFill>
+                  <a:srgbClr val="800000"/>
+                </a:solidFill>
+                <a:latin typeface="Malgun Gothic Semilight" panose="020B0502040204020203" pitchFamily="50" charset="-128"/>
+                <a:ea typeface="Malgun Gothic Semilight" panose="020B0502040204020203" pitchFamily="50" charset="-128"/>
+                <a:cs typeface="Malgun Gothic Semilight" panose="020B0502040204020203" pitchFamily="50" charset="-128"/>
+              </a:rPr>
+              <a:t>正義</a:t>
+            </a:r>
+            <a:r>
+              <a:rPr lang="ja-JP" altLang="en-US" sz="3600" b="1" dirty="0">
+                <a:latin typeface="Malgun Gothic Semilight" panose="020B0502040204020203" pitchFamily="50" charset="-128"/>
+                <a:ea typeface="Malgun Gothic Semilight" panose="020B0502040204020203" pitchFamily="50" charset="-128"/>
+                <a:cs typeface="Malgun Gothic Semilight" panose="020B0502040204020203" pitchFamily="50" charset="-128"/>
+              </a:rPr>
+              <a:t>を掲げて。</a:t>
+            </a:r>
+          </a:p>
+        </p:txBody>
+      </p:sp>
+    </p:spTree>
+    <p:extLst>
+      <p:ext uri="{BB962C8B-B14F-4D97-AF65-F5344CB8AC3E}">
+        <p14:creationId xmlns:p14="http://schemas.microsoft.com/office/powerpoint/2010/main" val="3210619620"/>
+      </p:ext>
+    </p:extLst>
+  </p:cSld>
+  <p:clrMapOvr>
+    <a:masterClrMapping/>
+  </p:clrMapOvr>
+</p:sld>
+</file>
+
+<file path=ppt/slides/slide3.xml><?xml version="1.0" encoding="utf-8"?>
+<p:sld xmlns:a="http://schemas.openxmlformats.org/drawingml/2006/main" xmlns:r="http://schemas.openxmlformats.org/officeDocument/2006/relationships" xmlns:p="http://schemas.openxmlformats.org/presentationml/2006/main">
+  <p:cSld>
+    <p:spTree>
+      <p:nvGrpSpPr>
+        <p:cNvPr id="1" name=""/>
+        <p:cNvGrpSpPr/>
+        <p:nvPr/>
+      </p:nvGrpSpPr>
+      <p:grpSpPr>
+        <a:xfrm>
+          <a:off x="0" y="0"/>
+          <a:ext cx="0" cy="0"/>
+          <a:chOff x="0" y="0"/>
+          <a:chExt cx="0" cy="0"/>
+        </a:xfrm>
+      </p:grpSpPr>
+      <p:sp>
+        <p:nvSpPr>
+          <p:cNvPr id="6" name="タイトル 1">
+            <a:extLst>
+              <a:ext uri="{FF2B5EF4-FFF2-40B4-BE49-F238E27FC236}">
+                <a16:creationId xmlns:a16="http://schemas.microsoft.com/office/drawing/2014/main" id="{B907CF77-FD0F-9F53-E829-8A4AA700DC5E}"/>
+              </a:ext>
+            </a:extLst>
+          </p:cNvPr>
+          <p:cNvSpPr txBox="1">
+            <a:spLocks/>
+          </p:cNvSpPr>
+          <p:nvPr/>
+        </p:nvSpPr>
+        <p:spPr>
+          <a:xfrm>
+            <a:off x="333375" y="-339725"/>
+            <a:ext cx="5762625" cy="2387600"/>
+          </a:xfrm>
+          <a:prstGeom prst="rect">
+            <a:avLst/>
+          </a:prstGeom>
+        </p:spPr>
+        <p:txBody>
+          <a:bodyPr vert="horz" lIns="91440" tIns="45720" rIns="91440" bIns="45720" rtlCol="0" anchor="ctr">
+            <a:normAutofit/>
+          </a:bodyPr>
+          <a:lstStyle>
+            <a:lvl1pPr algn="l" defTabSz="914400" rtl="0" eaLnBrk="1" latinLnBrk="0" hangingPunct="1">
+              <a:lnSpc>
+                <a:spcPct val="90000"/>
+              </a:lnSpc>
+              <a:spcBef>
+                <a:spcPct val="0"/>
+              </a:spcBef>
+              <a:buNone/>
+              <a:defRPr kumimoji="1" sz="4400" kern="1200">
+                <a:solidFill>
+                  <a:schemeClr val="tx1"/>
+                </a:solidFill>
+                <a:latin typeface="+mj-lt"/>
+                <a:ea typeface="+mj-ea"/>
+                <a:cs typeface="+mj-cs"/>
+              </a:defRPr>
+            </a:lvl1pPr>
+          </a:lstStyle>
+          <a:p>
+            <a:r>
+              <a:rPr lang="ja-JP" altLang="en-US" sz="5400" b="1" dirty="0">
+                <a:latin typeface="Malgun Gothic Semilight" panose="020B0502040204020203" pitchFamily="50" charset="-128"/>
+                <a:ea typeface="Malgun Gothic Semilight" panose="020B0502040204020203" pitchFamily="50" charset="-128"/>
+                <a:cs typeface="Malgun Gothic Semilight" panose="020B0502040204020203" pitchFamily="50" charset="-128"/>
+              </a:rPr>
+              <a:t>表現したいこと</a:t>
+            </a:r>
+          </a:p>
+        </p:txBody>
+      </p:sp>
+      <p:sp>
+        <p:nvSpPr>
+          <p:cNvPr id="7" name="タイトル 1">
+            <a:extLst>
+              <a:ext uri="{FF2B5EF4-FFF2-40B4-BE49-F238E27FC236}">
+                <a16:creationId xmlns:a16="http://schemas.microsoft.com/office/drawing/2014/main" id="{8742795A-E6C8-DB09-8E6F-EC1E2C7452A2}"/>
+              </a:ext>
+            </a:extLst>
+          </p:cNvPr>
+          <p:cNvSpPr txBox="1">
+            <a:spLocks/>
+          </p:cNvSpPr>
+          <p:nvPr/>
+        </p:nvSpPr>
+        <p:spPr>
+          <a:xfrm>
+            <a:off x="771524" y="2740025"/>
+            <a:ext cx="13468351" cy="4740275"/>
+          </a:xfrm>
+          <a:prstGeom prst="rect">
+            <a:avLst/>
+          </a:prstGeom>
+        </p:spPr>
+        <p:txBody>
+          <a:bodyPr vert="horz" lIns="91440" tIns="45720" rIns="91440" bIns="45720" rtlCol="0" anchor="ctr">
+            <a:normAutofit/>
+          </a:bodyPr>
+          <a:lstStyle>
+            <a:lvl1pPr algn="l" defTabSz="914400" rtl="0" eaLnBrk="1" latinLnBrk="0" hangingPunct="1">
+              <a:lnSpc>
+                <a:spcPct val="90000"/>
+              </a:lnSpc>
+              <a:spcBef>
+                <a:spcPct val="0"/>
+              </a:spcBef>
+              <a:buNone/>
+              <a:defRPr kumimoji="1" sz="4400" kern="1200">
+                <a:solidFill>
+                  <a:schemeClr val="tx1"/>
+                </a:solidFill>
+                <a:latin typeface="+mj-lt"/>
+                <a:ea typeface="+mj-ea"/>
+                <a:cs typeface="+mj-cs"/>
+              </a:defRPr>
+            </a:lvl1pPr>
+          </a:lstStyle>
+          <a:p>
+            <a:pPr>
+              <a:lnSpc>
+                <a:spcPct val="150000"/>
+              </a:lnSpc>
+            </a:pPr>
+            <a:r>
+              <a:rPr lang="ja-JP" altLang="en-US" sz="2800" b="1" dirty="0">
+                <a:latin typeface="Malgun Gothic Semilight" panose="020B0502040204020203" pitchFamily="50" charset="-128"/>
+                <a:ea typeface="Malgun Gothic Semilight" panose="020B0502040204020203" pitchFamily="50" charset="-128"/>
+                <a:cs typeface="Malgun Gothic Semilight" panose="020B0502040204020203" pitchFamily="50" charset="-128"/>
+              </a:rPr>
+              <a:t>「</a:t>
+            </a:r>
+            <a:r>
+              <a:rPr lang="ja-JP" altLang="en-US" sz="2800" b="1" dirty="0">
+                <a:solidFill>
+                  <a:srgbClr val="800000"/>
+                </a:solidFill>
+                <a:latin typeface="Malgun Gothic Semilight" panose="020B0502040204020203" pitchFamily="50" charset="-128"/>
+                <a:ea typeface="Malgun Gothic Semilight" panose="020B0502040204020203" pitchFamily="50" charset="-128"/>
+                <a:cs typeface="Malgun Gothic Semilight" panose="020B0502040204020203" pitchFamily="50" charset="-128"/>
+              </a:rPr>
+              <a:t>正義とは何か</a:t>
+            </a:r>
+            <a:r>
+              <a:rPr lang="ja-JP" altLang="en-US" sz="2800" b="1" dirty="0">
+                <a:latin typeface="Malgun Gothic Semilight" panose="020B0502040204020203" pitchFamily="50" charset="-128"/>
+                <a:ea typeface="Malgun Gothic Semilight" panose="020B0502040204020203" pitchFamily="50" charset="-128"/>
+                <a:cs typeface="Malgun Gothic Semilight" panose="020B0502040204020203" pitchFamily="50" charset="-128"/>
+              </a:rPr>
+              <a:t>」「</a:t>
+            </a:r>
+            <a:r>
+              <a:rPr lang="ja-JP" altLang="en-US" sz="2800" b="1" dirty="0">
+                <a:solidFill>
+                  <a:srgbClr val="800000"/>
+                </a:solidFill>
+                <a:latin typeface="Malgun Gothic Semilight" panose="020B0502040204020203" pitchFamily="50" charset="-128"/>
+                <a:ea typeface="Malgun Gothic Semilight" panose="020B0502040204020203" pitchFamily="50" charset="-128"/>
+                <a:cs typeface="Malgun Gothic Semilight" panose="020B0502040204020203" pitchFamily="50" charset="-128"/>
+              </a:rPr>
+              <a:t>人を殺す正当性</a:t>
+            </a:r>
+            <a:r>
+              <a:rPr lang="ja-JP" altLang="en-US" sz="2800" b="1" dirty="0">
+                <a:latin typeface="Malgun Gothic Semilight" panose="020B0502040204020203" pitchFamily="50" charset="-128"/>
+                <a:ea typeface="Malgun Gothic Semilight" panose="020B0502040204020203" pitchFamily="50" charset="-128"/>
+                <a:cs typeface="Malgun Gothic Semilight" panose="020B0502040204020203" pitchFamily="50" charset="-128"/>
+              </a:rPr>
+              <a:t>とは何か」を問いかけたい</a:t>
+            </a:r>
+            <a:endParaRPr lang="en-US" altLang="ja-JP" sz="2800" b="1" dirty="0">
+              <a:latin typeface="Malgun Gothic Semilight" panose="020B0502040204020203" pitchFamily="50" charset="-128"/>
+              <a:ea typeface="Malgun Gothic Semilight" panose="020B0502040204020203" pitchFamily="50" charset="-128"/>
+              <a:cs typeface="Malgun Gothic Semilight" panose="020B0502040204020203" pitchFamily="50" charset="-128"/>
+            </a:endParaRPr>
+          </a:p>
+          <a:p>
+            <a:pPr>
+              <a:lnSpc>
+                <a:spcPct val="150000"/>
+              </a:lnSpc>
+            </a:pPr>
+            <a:br>
+              <a:rPr lang="en-US" altLang="ja-JP" sz="2800" b="1" dirty="0">
+                <a:latin typeface="Malgun Gothic Semilight" panose="020B0502040204020203" pitchFamily="50" charset="-128"/>
+                <a:ea typeface="Malgun Gothic Semilight" panose="020B0502040204020203" pitchFamily="50" charset="-128"/>
+                <a:cs typeface="Malgun Gothic Semilight" panose="020B0502040204020203" pitchFamily="50" charset="-128"/>
+              </a:rPr>
+            </a:br>
+            <a:r>
+              <a:rPr lang="ja-JP" altLang="en-US" sz="2800" b="1" dirty="0">
+                <a:latin typeface="Malgun Gothic Semilight" panose="020B0502040204020203" pitchFamily="50" charset="-128"/>
+                <a:ea typeface="Malgun Gothic Semilight" panose="020B0502040204020203" pitchFamily="50" charset="-128"/>
+                <a:cs typeface="Malgun Gothic Semilight" panose="020B0502040204020203" pitchFamily="50" charset="-128"/>
+              </a:rPr>
+              <a:t>正義のためと戦い殺す敵にも「友人」 「恋人」 「家族」がいる。</a:t>
+            </a:r>
+            <a:endParaRPr lang="en-US" altLang="ja-JP" sz="2800" b="1" dirty="0">
+              <a:latin typeface="Malgun Gothic Semilight" panose="020B0502040204020203" pitchFamily="50" charset="-128"/>
+              <a:ea typeface="Malgun Gothic Semilight" panose="020B0502040204020203" pitchFamily="50" charset="-128"/>
+              <a:cs typeface="Malgun Gothic Semilight" panose="020B0502040204020203" pitchFamily="50" charset="-128"/>
+            </a:endParaRPr>
+          </a:p>
+          <a:p>
+            <a:pPr>
+              <a:lnSpc>
+                <a:spcPct val="150000"/>
+              </a:lnSpc>
+            </a:pPr>
+            <a:r>
+              <a:rPr lang="ja-JP" altLang="en-US" sz="2800" b="1" dirty="0">
+                <a:latin typeface="Malgun Gothic Semilight" panose="020B0502040204020203" pitchFamily="50" charset="-128"/>
+                <a:ea typeface="Malgun Gothic Semilight" panose="020B0502040204020203" pitchFamily="50" charset="-128"/>
+                <a:cs typeface="Malgun Gothic Semilight" panose="020B0502040204020203" pitchFamily="50" charset="-128"/>
+              </a:rPr>
+              <a:t>人類と同じように</a:t>
+            </a:r>
+            <a:r>
+              <a:rPr lang="ja-JP" altLang="en-US" sz="2800" b="1" dirty="0">
+                <a:solidFill>
+                  <a:srgbClr val="800000"/>
+                </a:solidFill>
+                <a:latin typeface="Malgun Gothic Semilight" panose="020B0502040204020203" pitchFamily="50" charset="-128"/>
+                <a:ea typeface="Malgun Gothic Semilight" panose="020B0502040204020203" pitchFamily="50" charset="-128"/>
+                <a:cs typeface="Malgun Gothic Semilight" panose="020B0502040204020203" pitchFamily="50" charset="-128"/>
+              </a:rPr>
+              <a:t>生き、愛し、笑う </a:t>
+            </a:r>
+            <a:r>
+              <a:rPr lang="ja-JP" altLang="en-US" sz="2800" b="1" dirty="0">
+                <a:latin typeface="Malgun Gothic Semilight" panose="020B0502040204020203" pitchFamily="50" charset="-128"/>
+                <a:ea typeface="Malgun Gothic Semilight" panose="020B0502040204020203" pitchFamily="50" charset="-128"/>
+                <a:cs typeface="Malgun Gothic Semilight" panose="020B0502040204020203" pitchFamily="50" charset="-128"/>
+              </a:rPr>
+              <a:t>“誰かの</a:t>
+            </a:r>
+            <a:r>
+              <a:rPr lang="ja-JP" altLang="en-US" sz="2800" b="1" dirty="0">
+                <a:solidFill>
+                  <a:srgbClr val="800000"/>
+                </a:solidFill>
+                <a:latin typeface="Malgun Gothic Semilight" panose="020B0502040204020203" pitchFamily="50" charset="-128"/>
+                <a:ea typeface="Malgun Gothic Semilight" panose="020B0502040204020203" pitchFamily="50" charset="-128"/>
+                <a:cs typeface="Malgun Gothic Semilight" panose="020B0502040204020203" pitchFamily="50" charset="-128"/>
+              </a:rPr>
+              <a:t>人生</a:t>
+            </a:r>
+            <a:r>
+              <a:rPr lang="ja-JP" altLang="en-US" sz="2800" b="1" dirty="0">
+                <a:latin typeface="Malgun Gothic Semilight" panose="020B0502040204020203" pitchFamily="50" charset="-128"/>
+                <a:ea typeface="Malgun Gothic Semilight" panose="020B0502040204020203" pitchFamily="50" charset="-128"/>
+                <a:cs typeface="Malgun Gothic Semilight" panose="020B0502040204020203" pitchFamily="50" charset="-128"/>
+              </a:rPr>
+              <a:t>”</a:t>
+            </a:r>
+            <a:r>
+              <a:rPr lang="ja-JP" altLang="en-US" sz="2800" b="1" dirty="0">
+                <a:solidFill>
+                  <a:srgbClr val="800000"/>
+                </a:solidFill>
+                <a:latin typeface="Malgun Gothic Semilight" panose="020B0502040204020203" pitchFamily="50" charset="-128"/>
+                <a:ea typeface="Malgun Gothic Semilight" panose="020B0502040204020203" pitchFamily="50" charset="-128"/>
+                <a:cs typeface="Malgun Gothic Semilight" panose="020B0502040204020203" pitchFamily="50" charset="-128"/>
+              </a:rPr>
+              <a:t> </a:t>
+            </a:r>
+            <a:r>
+              <a:rPr lang="ja-JP" altLang="en-US" sz="2800" b="1" dirty="0">
+                <a:latin typeface="Malgun Gothic Semilight" panose="020B0502040204020203" pitchFamily="50" charset="-128"/>
+                <a:ea typeface="Malgun Gothic Semilight" panose="020B0502040204020203" pitchFamily="50" charset="-128"/>
+                <a:cs typeface="Malgun Gothic Semilight" panose="020B0502040204020203" pitchFamily="50" charset="-128"/>
+              </a:rPr>
+              <a:t>がある。</a:t>
+            </a:r>
+            <a:endParaRPr lang="en-US" altLang="ja-JP" sz="2800" b="1" dirty="0">
+              <a:latin typeface="Malgun Gothic Semilight" panose="020B0502040204020203" pitchFamily="50" charset="-128"/>
+              <a:ea typeface="Malgun Gothic Semilight" panose="020B0502040204020203" pitchFamily="50" charset="-128"/>
+              <a:cs typeface="Malgun Gothic Semilight" panose="020B0502040204020203" pitchFamily="50" charset="-128"/>
+            </a:endParaRPr>
+          </a:p>
+          <a:p>
+            <a:pPr>
+              <a:lnSpc>
+                <a:spcPct val="150000"/>
+              </a:lnSpc>
+            </a:pPr>
+            <a:endParaRPr lang="en-US" altLang="ja-JP" sz="2800" b="1" dirty="0">
+              <a:latin typeface="Malgun Gothic Semilight" panose="020B0502040204020203" pitchFamily="50" charset="-128"/>
+              <a:ea typeface="Malgun Gothic Semilight" panose="020B0502040204020203" pitchFamily="50" charset="-128"/>
+              <a:cs typeface="Malgun Gothic Semilight" panose="020B0502040204020203" pitchFamily="50" charset="-128"/>
+            </a:endParaRPr>
+          </a:p>
+          <a:p>
+            <a:pPr>
+              <a:lnSpc>
+                <a:spcPct val="150000"/>
+              </a:lnSpc>
+            </a:pPr>
+            <a:r>
+              <a:rPr lang="ja-JP" altLang="en-US" sz="2800" b="1" dirty="0">
+                <a:latin typeface="Malgun Gothic Semilight" panose="020B0502040204020203" pitchFamily="50" charset="-128"/>
+                <a:ea typeface="Malgun Gothic Semilight" panose="020B0502040204020203" pitchFamily="50" charset="-128"/>
+                <a:cs typeface="Malgun Gothic Semilight" panose="020B0502040204020203" pitchFamily="50" charset="-128"/>
+              </a:rPr>
+              <a:t>プレイヤーにはその重さを体験しながら「正義」「敵」「人間らしさ」</a:t>
+            </a:r>
+            <a:endParaRPr lang="en-US" altLang="ja-JP" sz="2800" b="1" dirty="0">
+              <a:latin typeface="Malgun Gothic Semilight" panose="020B0502040204020203" pitchFamily="50" charset="-128"/>
+              <a:ea typeface="Malgun Gothic Semilight" panose="020B0502040204020203" pitchFamily="50" charset="-128"/>
+              <a:cs typeface="Malgun Gothic Semilight" panose="020B0502040204020203" pitchFamily="50" charset="-128"/>
+            </a:endParaRPr>
+          </a:p>
+          <a:p>
+            <a:pPr>
+              <a:lnSpc>
+                <a:spcPct val="150000"/>
+              </a:lnSpc>
+            </a:pPr>
+            <a:r>
+              <a:rPr lang="ja-JP" altLang="en-US" sz="2800" b="1" dirty="0">
+                <a:latin typeface="Malgun Gothic Semilight" panose="020B0502040204020203" pitchFamily="50" charset="-128"/>
+                <a:ea typeface="Malgun Gothic Semilight" panose="020B0502040204020203" pitchFamily="50" charset="-128"/>
+                <a:cs typeface="Malgun Gothic Semilight" panose="020B0502040204020203" pitchFamily="50" charset="-128"/>
+              </a:rPr>
+              <a:t>といった</a:t>
+            </a:r>
+            <a:r>
+              <a:rPr lang="ja-JP" altLang="en-US" sz="2800" b="1" dirty="0">
+                <a:solidFill>
+                  <a:srgbClr val="800000"/>
+                </a:solidFill>
+                <a:latin typeface="Malgun Gothic Semilight" panose="020B0502040204020203" pitchFamily="50" charset="-128"/>
+                <a:ea typeface="Malgun Gothic Semilight" panose="020B0502040204020203" pitchFamily="50" charset="-128"/>
+                <a:cs typeface="Malgun Gothic Semilight" panose="020B0502040204020203" pitchFamily="50" charset="-128"/>
+              </a:rPr>
+              <a:t>価値観が揺らいでいく感覚</a:t>
+            </a:r>
+            <a:r>
+              <a:rPr lang="ja-JP" altLang="en-US" sz="2800" b="1" dirty="0">
+                <a:latin typeface="Malgun Gothic Semilight" panose="020B0502040204020203" pitchFamily="50" charset="-128"/>
+                <a:ea typeface="Malgun Gothic Semilight" panose="020B0502040204020203" pitchFamily="50" charset="-128"/>
+                <a:cs typeface="Malgun Gothic Semilight" panose="020B0502040204020203" pitchFamily="50" charset="-128"/>
+              </a:rPr>
+              <a:t>を味わってほしい。</a:t>
+            </a:r>
+            <a:endParaRPr lang="en-US" altLang="ja-JP" sz="2800" b="1" dirty="0">
+              <a:latin typeface="Malgun Gothic Semilight" panose="020B0502040204020203" pitchFamily="50" charset="-128"/>
+              <a:ea typeface="Malgun Gothic Semilight" panose="020B0502040204020203" pitchFamily="50" charset="-128"/>
+              <a:cs typeface="Malgun Gothic Semilight" panose="020B0502040204020203" pitchFamily="50" charset="-128"/>
+            </a:endParaRPr>
+          </a:p>
+          <a:p>
+            <a:pPr>
+              <a:lnSpc>
+                <a:spcPct val="150000"/>
+              </a:lnSpc>
+            </a:pPr>
+            <a:endParaRPr lang="en-US" altLang="ja-JP" sz="2800" b="1" dirty="0">
+              <a:latin typeface="Malgun Gothic Semilight" panose="020B0502040204020203" pitchFamily="50" charset="-128"/>
+              <a:ea typeface="Malgun Gothic Semilight" panose="020B0502040204020203" pitchFamily="50" charset="-128"/>
+              <a:cs typeface="Malgun Gothic Semilight" panose="020B0502040204020203" pitchFamily="50" charset="-128"/>
+            </a:endParaRPr>
+          </a:p>
+          <a:p>
+            <a:pPr>
+              <a:lnSpc>
+                <a:spcPct val="150000"/>
+              </a:lnSpc>
+            </a:pPr>
+            <a:endParaRPr lang="en-US" altLang="ja-JP" sz="2800" b="1" dirty="0">
+              <a:latin typeface="Malgun Gothic Semilight" panose="020B0502040204020203" pitchFamily="50" charset="-128"/>
+              <a:ea typeface="Malgun Gothic Semilight" panose="020B0502040204020203" pitchFamily="50" charset="-128"/>
+              <a:cs typeface="Malgun Gothic Semilight" panose="020B0502040204020203" pitchFamily="50" charset="-128"/>
+            </a:endParaRPr>
+          </a:p>
+          <a:p>
+            <a:pPr>
+              <a:lnSpc>
+                <a:spcPct val="150000"/>
+              </a:lnSpc>
+            </a:pPr>
+            <a:endParaRPr lang="en-US" altLang="ja-JP" sz="2800" b="1" dirty="0">
+              <a:latin typeface="Malgun Gothic Semilight" panose="020B0502040204020203" pitchFamily="50" charset="-128"/>
+              <a:ea typeface="Malgun Gothic Semilight" panose="020B0502040204020203" pitchFamily="50" charset="-128"/>
+              <a:cs typeface="Malgun Gothic Semilight" panose="020B0502040204020203" pitchFamily="50" charset="-128"/>
+            </a:endParaRPr>
+          </a:p>
+          <a:p>
+            <a:pPr>
+              <a:lnSpc>
+                <a:spcPct val="150000"/>
+              </a:lnSpc>
+            </a:pPr>
+            <a:endParaRPr lang="ja-JP" altLang="en-US" sz="2800" b="1" dirty="0">
+              <a:latin typeface="Malgun Gothic Semilight" panose="020B0502040204020203" pitchFamily="50" charset="-128"/>
+              <a:ea typeface="Malgun Gothic Semilight" panose="020B0502040204020203" pitchFamily="50" charset="-128"/>
+              <a:cs typeface="Malgun Gothic Semilight" panose="020B0502040204020203" pitchFamily="50" charset="-128"/>
+            </a:endParaRPr>
+          </a:p>
+        </p:txBody>
+      </p:sp>
+    </p:spTree>
+    <p:extLst>
+      <p:ext uri="{BB962C8B-B14F-4D97-AF65-F5344CB8AC3E}">
+        <p14:creationId xmlns:p14="http://schemas.microsoft.com/office/powerpoint/2010/main" val="364707054"/>
+      </p:ext>
+    </p:extLst>
+  </p:cSld>
+  <p:clrMapOvr>
+    <a:masterClrMapping/>
+  </p:clrMapOvr>
+</p:sld>
+</file>
+
+<file path=ppt/slides/slide4.xml><?xml version="1.0" encoding="utf-8"?>
+<p:sld xmlns:a="http://schemas.openxmlformats.org/drawingml/2006/main" xmlns:r="http://schemas.openxmlformats.org/officeDocument/2006/relationships" xmlns:p="http://schemas.openxmlformats.org/presentationml/2006/main">
+  <p:cSld>
+    <p:spTree>
+      <p:nvGrpSpPr>
+        <p:cNvPr id="1" name=""/>
+        <p:cNvGrpSpPr/>
+        <p:nvPr/>
+      </p:nvGrpSpPr>
+      <p:grpSpPr>
+        <a:xfrm>
+          <a:off x="0" y="0"/>
+          <a:ext cx="0" cy="0"/>
+          <a:chOff x="0" y="0"/>
+          <a:chExt cx="0" cy="0"/>
+        </a:xfrm>
+      </p:grpSpPr>
+      <p:sp>
+        <p:nvSpPr>
+          <p:cNvPr id="4" name="タイトル 1">
+            <a:extLst>
+              <a:ext uri="{FF2B5EF4-FFF2-40B4-BE49-F238E27FC236}">
+                <a16:creationId xmlns:a16="http://schemas.microsoft.com/office/drawing/2014/main" id="{76560BD0-9D44-54E9-5593-2D033BA35AAB}"/>
+              </a:ext>
+            </a:extLst>
+          </p:cNvPr>
+          <p:cNvSpPr txBox="1">
+            <a:spLocks/>
+          </p:cNvSpPr>
+          <p:nvPr/>
+        </p:nvSpPr>
+        <p:spPr>
+          <a:xfrm>
+            <a:off x="333375" y="-396875"/>
+            <a:ext cx="5762625" cy="2387600"/>
+          </a:xfrm>
+          <a:prstGeom prst="rect">
+            <a:avLst/>
+          </a:prstGeom>
+        </p:spPr>
+        <p:txBody>
+          <a:bodyPr vert="horz" lIns="91440" tIns="45720" rIns="91440" bIns="45720" rtlCol="0" anchor="ctr">
+            <a:normAutofit/>
+          </a:bodyPr>
+          <a:lstStyle>
+            <a:lvl1pPr algn="l" defTabSz="914400" rtl="0" eaLnBrk="1" latinLnBrk="0" hangingPunct="1">
+              <a:lnSpc>
+                <a:spcPct val="90000"/>
+              </a:lnSpc>
+              <a:spcBef>
+                <a:spcPct val="0"/>
+              </a:spcBef>
+              <a:buNone/>
+              <a:defRPr kumimoji="1" sz="4400" kern="1200">
+                <a:solidFill>
+                  <a:schemeClr val="tx1"/>
+                </a:solidFill>
+                <a:latin typeface="+mj-lt"/>
+                <a:ea typeface="+mj-ea"/>
+                <a:cs typeface="+mj-cs"/>
+              </a:defRPr>
+            </a:lvl1pPr>
+          </a:lstStyle>
+          <a:p>
+            <a:r>
+              <a:rPr lang="ja-JP" altLang="en-US" sz="5400" b="1" dirty="0">
+                <a:latin typeface="Malgun Gothic Semilight" panose="020B0502040204020203" pitchFamily="50" charset="-128"/>
+                <a:ea typeface="Malgun Gothic Semilight" panose="020B0502040204020203" pitchFamily="50" charset="-128"/>
+                <a:cs typeface="Malgun Gothic Semilight" panose="020B0502040204020203" pitchFamily="50" charset="-128"/>
+              </a:rPr>
+              <a:t>世界観</a:t>
+            </a:r>
+          </a:p>
+        </p:txBody>
+      </p:sp>
+      <p:sp>
+        <p:nvSpPr>
+          <p:cNvPr id="6" name="タイトル 1">
+            <a:extLst>
+              <a:ext uri="{FF2B5EF4-FFF2-40B4-BE49-F238E27FC236}">
+                <a16:creationId xmlns:a16="http://schemas.microsoft.com/office/drawing/2014/main" id="{586E2E7D-1CCC-5025-0567-EA352EC1F977}"/>
+              </a:ext>
+            </a:extLst>
+          </p:cNvPr>
+          <p:cNvSpPr txBox="1">
+            <a:spLocks/>
+          </p:cNvSpPr>
+          <p:nvPr/>
+        </p:nvSpPr>
+        <p:spPr>
+          <a:xfrm>
+            <a:off x="1343026" y="1250950"/>
+            <a:ext cx="10848974" cy="5111750"/>
+          </a:xfrm>
+          <a:prstGeom prst="rect">
+            <a:avLst/>
+          </a:prstGeom>
+        </p:spPr>
+        <p:txBody>
+          <a:bodyPr vert="horz" lIns="91440" tIns="45720" rIns="91440" bIns="45720" rtlCol="0" anchor="t">
+            <a:normAutofit/>
+          </a:bodyPr>
+          <a:lstStyle>
+            <a:lvl1pPr algn="l" defTabSz="914400" rtl="0" eaLnBrk="1" latinLnBrk="0" hangingPunct="1">
+              <a:lnSpc>
+                <a:spcPct val="90000"/>
+              </a:lnSpc>
+              <a:spcBef>
+                <a:spcPct val="0"/>
+              </a:spcBef>
+              <a:buNone/>
+              <a:defRPr kumimoji="1" sz="4400" kern="1200">
+                <a:solidFill>
+                  <a:schemeClr val="tx1"/>
+                </a:solidFill>
+                <a:latin typeface="+mj-lt"/>
+                <a:ea typeface="+mj-ea"/>
+                <a:cs typeface="+mj-cs"/>
+              </a:defRPr>
+            </a:lvl1pPr>
+          </a:lstStyle>
+          <a:p>
+            <a:endParaRPr lang="ja-JP" altLang="en-US" sz="3600" b="1" dirty="0">
+              <a:latin typeface="Malgun Gothic Semilight" panose="020B0502040204020203" pitchFamily="50" charset="-128"/>
+              <a:ea typeface="Malgun Gothic Semilight" panose="020B0502040204020203" pitchFamily="50" charset="-128"/>
+              <a:cs typeface="Malgun Gothic Semilight" panose="020B0502040204020203" pitchFamily="50" charset="-128"/>
+            </a:endParaRPr>
+          </a:p>
+        </p:txBody>
+      </p:sp>
+      <p:sp>
+        <p:nvSpPr>
+          <p:cNvPr id="7" name="テキスト ボックス 6">
+            <a:extLst>
+              <a:ext uri="{FF2B5EF4-FFF2-40B4-BE49-F238E27FC236}">
+                <a16:creationId xmlns:a16="http://schemas.microsoft.com/office/drawing/2014/main" id="{03245849-DE17-849B-B3DE-77F7BA07F070}"/>
               </a:ext>
             </a:extLst>
           </p:cNvPr>
@@ -3790,8 +4775,8 @@
         </p:nvSpPr>
         <p:spPr>
           <a:xfrm>
-            <a:off x="3930162" y="395653"/>
-            <a:ext cx="3297115" cy="830997"/>
+            <a:off x="1774825" y="1176938"/>
+            <a:ext cx="16183429" cy="5259773"/>
           </a:xfrm>
           <a:prstGeom prst="rect">
             <a:avLst/>
@@ -3804,17 +4789,1125 @@
           </a:bodyPr>
           <a:lstStyle/>
           <a:p>
-            <a:r>
-              <a:rPr kumimoji="1" lang="ja-JP" altLang="en-US" sz="4800" dirty="0"/>
-              <a:t>コンセプト</a:t>
-            </a:r>
+            <a:pPr>
+              <a:lnSpc>
+                <a:spcPct val="170000"/>
+              </a:lnSpc>
+            </a:pPr>
+            <a:r>
+              <a:rPr lang="ja-JP" altLang="en-US" sz="2000" b="1" dirty="0">
+                <a:latin typeface="Malgun Gothic Semilight" panose="020B0502040204020203" pitchFamily="50" charset="-128"/>
+                <a:ea typeface="Malgun Gothic Semilight" panose="020B0502040204020203" pitchFamily="50" charset="-128"/>
+                <a:cs typeface="Malgun Gothic Semilight" panose="020B0502040204020203" pitchFamily="50" charset="-128"/>
+              </a:rPr>
+              <a:t>かつて世界を焼く尽くした「</a:t>
+            </a:r>
+            <a:r>
+              <a:rPr lang="ja-JP" altLang="en-US" sz="2000" b="1" dirty="0">
+                <a:solidFill>
+                  <a:srgbClr val="9933FF"/>
+                </a:solidFill>
+                <a:latin typeface="Malgun Gothic Semilight" panose="020B0502040204020203" pitchFamily="50" charset="-128"/>
+                <a:ea typeface="Malgun Gothic Semilight" panose="020B0502040204020203" pitchFamily="50" charset="-128"/>
+                <a:cs typeface="Malgun Gothic Semilight" panose="020B0502040204020203" pitchFamily="50" charset="-128"/>
+              </a:rPr>
+              <a:t>大厄災</a:t>
+            </a:r>
+            <a:r>
+              <a:rPr lang="ja-JP" altLang="en-US" sz="2000" b="1" dirty="0">
+                <a:latin typeface="Malgun Gothic Semilight" panose="020B0502040204020203" pitchFamily="50" charset="-128"/>
+                <a:ea typeface="Malgun Gothic Semilight" panose="020B0502040204020203" pitchFamily="50" charset="-128"/>
+                <a:cs typeface="Malgun Gothic Semilight" panose="020B0502040204020203" pitchFamily="50" charset="-128"/>
+              </a:rPr>
+              <a:t>」</a:t>
+            </a:r>
+            <a:br>
+              <a:rPr lang="en-US" altLang="ja-JP" sz="2000" b="1" dirty="0">
+                <a:latin typeface="Malgun Gothic Semilight" panose="020B0502040204020203" pitchFamily="50" charset="-128"/>
+                <a:ea typeface="Malgun Gothic Semilight" panose="020B0502040204020203" pitchFamily="50" charset="-128"/>
+                <a:cs typeface="Malgun Gothic Semilight" panose="020B0502040204020203" pitchFamily="50" charset="-128"/>
+              </a:rPr>
+            </a:br>
+            <a:r>
+              <a:rPr lang="ja-JP" altLang="en-US" sz="2000" b="1" dirty="0">
+                <a:latin typeface="Malgun Gothic Semilight" panose="020B0502040204020203" pitchFamily="50" charset="-128"/>
+                <a:ea typeface="Malgun Gothic Semilight" panose="020B0502040204020203" pitchFamily="50" charset="-128"/>
+                <a:cs typeface="Malgun Gothic Semilight" panose="020B0502040204020203" pitchFamily="50" charset="-128"/>
+              </a:rPr>
+              <a:t>その原因は“</a:t>
+            </a:r>
+            <a:r>
+              <a:rPr lang="ja-JP" altLang="en-US" sz="2000" b="1" dirty="0">
+                <a:solidFill>
+                  <a:srgbClr val="9933FF"/>
+                </a:solidFill>
+                <a:latin typeface="Malgun Gothic Semilight" panose="020B0502040204020203" pitchFamily="50" charset="-128"/>
+                <a:ea typeface="Malgun Gothic Semilight" panose="020B0502040204020203" pitchFamily="50" charset="-128"/>
+                <a:cs typeface="Malgun Gothic Semilight" panose="020B0502040204020203" pitchFamily="50" charset="-128"/>
+              </a:rPr>
+              <a:t>魔族</a:t>
+            </a:r>
+            <a:r>
+              <a:rPr lang="ja-JP" altLang="en-US" sz="2000" b="1" dirty="0">
+                <a:latin typeface="Malgun Gothic Semilight" panose="020B0502040204020203" pitchFamily="50" charset="-128"/>
+                <a:ea typeface="Malgun Gothic Semilight" panose="020B0502040204020203" pitchFamily="50" charset="-128"/>
+                <a:cs typeface="Malgun Gothic Semilight" panose="020B0502040204020203" pitchFamily="50" charset="-128"/>
+              </a:rPr>
+              <a:t>”と呼ばれる存在だとされていた。</a:t>
+            </a:r>
+            <a:endParaRPr lang="en-US" altLang="ja-JP" sz="2000" b="1" dirty="0">
+              <a:latin typeface="Malgun Gothic Semilight" panose="020B0502040204020203" pitchFamily="50" charset="-128"/>
+              <a:ea typeface="Malgun Gothic Semilight" panose="020B0502040204020203" pitchFamily="50" charset="-128"/>
+              <a:cs typeface="Malgun Gothic Semilight" panose="020B0502040204020203" pitchFamily="50" charset="-128"/>
+            </a:endParaRPr>
+          </a:p>
+          <a:p>
+            <a:pPr>
+              <a:lnSpc>
+                <a:spcPct val="170000"/>
+              </a:lnSpc>
+            </a:pPr>
+            <a:r>
+              <a:rPr lang="ja-JP" altLang="en-US" sz="2000" b="1" dirty="0">
+                <a:latin typeface="Malgun Gothic Semilight" panose="020B0502040204020203" pitchFamily="50" charset="-128"/>
+                <a:ea typeface="Malgun Gothic Semilight" panose="020B0502040204020203" pitchFamily="50" charset="-128"/>
+                <a:cs typeface="Malgun Gothic Semilight" panose="020B0502040204020203" pitchFamily="50" charset="-128"/>
+              </a:rPr>
+              <a:t>人類は「</a:t>
+            </a:r>
+            <a:r>
+              <a:rPr lang="ja-JP" altLang="en-US" sz="2000" b="1" dirty="0">
+                <a:solidFill>
+                  <a:srgbClr val="800000"/>
+                </a:solidFill>
+                <a:latin typeface="Malgun Gothic Semilight" panose="020B0502040204020203" pitchFamily="50" charset="-128"/>
+                <a:ea typeface="Malgun Gothic Semilight" panose="020B0502040204020203" pitchFamily="50" charset="-128"/>
+                <a:cs typeface="Malgun Gothic Semilight" panose="020B0502040204020203" pitchFamily="50" charset="-128"/>
+              </a:rPr>
+              <a:t>救世の勇者</a:t>
+            </a:r>
+            <a:r>
+              <a:rPr lang="ja-JP" altLang="en-US" sz="2000" b="1" dirty="0">
+                <a:latin typeface="Malgun Gothic Semilight" panose="020B0502040204020203" pitchFamily="50" charset="-128"/>
+                <a:ea typeface="Malgun Gothic Semilight" panose="020B0502040204020203" pitchFamily="50" charset="-128"/>
+                <a:cs typeface="Malgun Gothic Semilight" panose="020B0502040204020203" pitchFamily="50" charset="-128"/>
+              </a:rPr>
+              <a:t>」を選出して、</a:t>
+            </a:r>
+            <a:r>
+              <a:rPr lang="ja-JP" altLang="en-US" sz="2000" b="1" dirty="0">
+                <a:solidFill>
+                  <a:srgbClr val="9933FF"/>
+                </a:solidFill>
+                <a:latin typeface="Malgun Gothic Semilight" panose="020B0502040204020203" pitchFamily="50" charset="-128"/>
+                <a:ea typeface="Malgun Gothic Semilight" panose="020B0502040204020203" pitchFamily="50" charset="-128"/>
+                <a:cs typeface="Malgun Gothic Semilight" panose="020B0502040204020203" pitchFamily="50" charset="-128"/>
+              </a:rPr>
+              <a:t>魔族殲滅の旅</a:t>
+            </a:r>
+            <a:r>
+              <a:rPr lang="ja-JP" altLang="en-US" sz="2000" b="1" dirty="0">
+                <a:latin typeface="Malgun Gothic Semilight" panose="020B0502040204020203" pitchFamily="50" charset="-128"/>
+                <a:ea typeface="Malgun Gothic Semilight" panose="020B0502040204020203" pitchFamily="50" charset="-128"/>
+                <a:cs typeface="Malgun Gothic Semilight" panose="020B0502040204020203" pitchFamily="50" charset="-128"/>
+              </a:rPr>
+              <a:t>へと送り出す。</a:t>
+            </a:r>
+            <a:endParaRPr lang="en-US" altLang="ja-JP" sz="2000" b="1" dirty="0">
+              <a:latin typeface="Malgun Gothic Semilight" panose="020B0502040204020203" pitchFamily="50" charset="-128"/>
+              <a:ea typeface="Malgun Gothic Semilight" panose="020B0502040204020203" pitchFamily="50" charset="-128"/>
+              <a:cs typeface="Malgun Gothic Semilight" panose="020B0502040204020203" pitchFamily="50" charset="-128"/>
+            </a:endParaRPr>
+          </a:p>
+          <a:p>
+            <a:pPr>
+              <a:lnSpc>
+                <a:spcPct val="170000"/>
+              </a:lnSpc>
+            </a:pPr>
+            <a:endParaRPr lang="en-US" altLang="ja-JP" sz="2000" b="1" dirty="0">
+              <a:latin typeface="Malgun Gothic Semilight" panose="020B0502040204020203" pitchFamily="50" charset="-128"/>
+              <a:ea typeface="Malgun Gothic Semilight" panose="020B0502040204020203" pitchFamily="50" charset="-128"/>
+              <a:cs typeface="Malgun Gothic Semilight" panose="020B0502040204020203" pitchFamily="50" charset="-128"/>
+            </a:endParaRPr>
+          </a:p>
+          <a:p>
+            <a:pPr>
+              <a:lnSpc>
+                <a:spcPct val="170000"/>
+              </a:lnSpc>
+            </a:pPr>
+            <a:r>
+              <a:rPr lang="ja-JP" altLang="en-US" sz="2000" b="1" dirty="0">
+                <a:latin typeface="Malgun Gothic Semilight" panose="020B0502040204020203" pitchFamily="50" charset="-128"/>
+                <a:ea typeface="Malgun Gothic Semilight" panose="020B0502040204020203" pitchFamily="50" charset="-128"/>
+                <a:cs typeface="Malgun Gothic Semilight" panose="020B0502040204020203" pitchFamily="50" charset="-128"/>
+              </a:rPr>
+              <a:t>主人公は、</a:t>
+            </a:r>
+            <a:r>
+              <a:rPr lang="ja-JP" altLang="en-US" sz="2000" b="1" dirty="0">
+                <a:solidFill>
+                  <a:srgbClr val="800000"/>
+                </a:solidFill>
+                <a:latin typeface="Malgun Gothic Semilight" panose="020B0502040204020203" pitchFamily="50" charset="-128"/>
+                <a:ea typeface="Malgun Gothic Semilight" panose="020B0502040204020203" pitchFamily="50" charset="-128"/>
+                <a:cs typeface="Malgun Gothic Semilight" panose="020B0502040204020203" pitchFamily="50" charset="-128"/>
+              </a:rPr>
+              <a:t>正義と使命</a:t>
+            </a:r>
+            <a:r>
+              <a:rPr lang="ja-JP" altLang="en-US" sz="2000" b="1" dirty="0">
+                <a:latin typeface="Malgun Gothic Semilight" panose="020B0502040204020203" pitchFamily="50" charset="-128"/>
+                <a:ea typeface="Malgun Gothic Semilight" panose="020B0502040204020203" pitchFamily="50" charset="-128"/>
+                <a:cs typeface="Malgun Gothic Semilight" panose="020B0502040204020203" pitchFamily="50" charset="-128"/>
+              </a:rPr>
+              <a:t>を信じて剣を振るう。</a:t>
+            </a:r>
+            <a:endParaRPr lang="en-US" altLang="ja-JP" sz="2000" b="1" dirty="0">
+              <a:latin typeface="Malgun Gothic Semilight" panose="020B0502040204020203" pitchFamily="50" charset="-128"/>
+              <a:ea typeface="Malgun Gothic Semilight" panose="020B0502040204020203" pitchFamily="50" charset="-128"/>
+              <a:cs typeface="Malgun Gothic Semilight" panose="020B0502040204020203" pitchFamily="50" charset="-128"/>
+            </a:endParaRPr>
+          </a:p>
+          <a:p>
+            <a:pPr>
+              <a:lnSpc>
+                <a:spcPct val="170000"/>
+              </a:lnSpc>
+            </a:pPr>
+            <a:r>
+              <a:rPr lang="ja-JP" altLang="en-US" sz="2000" b="1" dirty="0">
+                <a:latin typeface="Malgun Gothic Semilight" panose="020B0502040204020203" pitchFamily="50" charset="-128"/>
+                <a:ea typeface="Malgun Gothic Semilight" panose="020B0502040204020203" pitchFamily="50" charset="-128"/>
+                <a:cs typeface="Malgun Gothic Semilight" panose="020B0502040204020203" pitchFamily="50" charset="-128"/>
+              </a:rPr>
+              <a:t>それが世界を救う唯一の方法だと信じて。</a:t>
+            </a:r>
+            <a:endParaRPr lang="en-US" altLang="ja-JP" sz="2000" b="1" dirty="0">
+              <a:latin typeface="Malgun Gothic Semilight" panose="020B0502040204020203" pitchFamily="50" charset="-128"/>
+              <a:ea typeface="Malgun Gothic Semilight" panose="020B0502040204020203" pitchFamily="50" charset="-128"/>
+              <a:cs typeface="Malgun Gothic Semilight" panose="020B0502040204020203" pitchFamily="50" charset="-128"/>
+            </a:endParaRPr>
+          </a:p>
+          <a:p>
+            <a:pPr>
+              <a:lnSpc>
+                <a:spcPct val="170000"/>
+              </a:lnSpc>
+            </a:pPr>
+            <a:r>
+              <a:rPr lang="ja-JP" altLang="en-US" sz="2000" b="1" dirty="0">
+                <a:latin typeface="Malgun Gothic Semilight" panose="020B0502040204020203" pitchFamily="50" charset="-128"/>
+                <a:ea typeface="Malgun Gothic Semilight" panose="020B0502040204020203" pitchFamily="50" charset="-128"/>
+                <a:cs typeface="Malgun Gothic Semilight" panose="020B0502040204020203" pitchFamily="50" charset="-128"/>
+              </a:rPr>
+              <a:t>しかし進むごとに敵は</a:t>
+            </a:r>
+            <a:r>
+              <a:rPr lang="ja-JP" altLang="en-US" sz="2000" b="1" dirty="0">
+                <a:solidFill>
+                  <a:srgbClr val="800000"/>
+                </a:solidFill>
+                <a:latin typeface="Malgun Gothic Semilight" panose="020B0502040204020203" pitchFamily="50" charset="-128"/>
+                <a:ea typeface="Malgun Gothic Semilight" panose="020B0502040204020203" pitchFamily="50" charset="-128"/>
+                <a:cs typeface="Malgun Gothic Semilight" panose="020B0502040204020203" pitchFamily="50" charset="-128"/>
+              </a:rPr>
+              <a:t>「魔物」から「人間に近い魔族」</a:t>
+            </a:r>
+            <a:r>
+              <a:rPr lang="ja-JP" altLang="en-US" sz="2000" b="1" dirty="0">
+                <a:latin typeface="Malgun Gothic Semilight" panose="020B0502040204020203" pitchFamily="50" charset="-128"/>
+                <a:ea typeface="Malgun Gothic Semilight" panose="020B0502040204020203" pitchFamily="50" charset="-128"/>
+                <a:cs typeface="Malgun Gothic Semilight" panose="020B0502040204020203" pitchFamily="50" charset="-128"/>
+              </a:rPr>
+              <a:t>へと変わっていく。</a:t>
+            </a:r>
+            <a:endParaRPr lang="en-US" altLang="ja-JP" sz="2000" b="1" dirty="0">
+              <a:latin typeface="Malgun Gothic Semilight" panose="020B0502040204020203" pitchFamily="50" charset="-128"/>
+              <a:ea typeface="Malgun Gothic Semilight" panose="020B0502040204020203" pitchFamily="50" charset="-128"/>
+              <a:cs typeface="Malgun Gothic Semilight" panose="020B0502040204020203" pitchFamily="50" charset="-128"/>
+            </a:endParaRPr>
+          </a:p>
+          <a:p>
+            <a:pPr>
+              <a:lnSpc>
+                <a:spcPct val="170000"/>
+              </a:lnSpc>
+            </a:pPr>
+            <a:r>
+              <a:rPr lang="ja-JP" altLang="en-US" sz="2000" b="1" dirty="0">
+                <a:latin typeface="Malgun Gothic Semilight" panose="020B0502040204020203" pitchFamily="50" charset="-128"/>
+                <a:ea typeface="Malgun Gothic Semilight" panose="020B0502040204020203" pitchFamily="50" charset="-128"/>
+                <a:cs typeface="Malgun Gothic Semilight" panose="020B0502040204020203" pitchFamily="50" charset="-128"/>
+              </a:rPr>
+              <a:t>言葉を話し、お互いを助け合い、子を想い、涙を流す者たち。</a:t>
+            </a:r>
+            <a:endParaRPr lang="en-US" altLang="ja-JP" sz="2000" b="1" dirty="0">
+              <a:latin typeface="Malgun Gothic Semilight" panose="020B0502040204020203" pitchFamily="50" charset="-128"/>
+              <a:ea typeface="Malgun Gothic Semilight" panose="020B0502040204020203" pitchFamily="50" charset="-128"/>
+              <a:cs typeface="Malgun Gothic Semilight" panose="020B0502040204020203" pitchFamily="50" charset="-128"/>
+            </a:endParaRPr>
+          </a:p>
+          <a:p>
+            <a:pPr>
+              <a:lnSpc>
+                <a:spcPct val="170000"/>
+              </a:lnSpc>
+            </a:pPr>
+            <a:r>
+              <a:rPr lang="ja-JP" altLang="en-US" sz="2000" b="1" dirty="0">
+                <a:latin typeface="Malgun Gothic Semilight" panose="020B0502040204020203" pitchFamily="50" charset="-128"/>
+                <a:ea typeface="Malgun Gothic Semilight" panose="020B0502040204020203" pitchFamily="50" charset="-128"/>
+                <a:cs typeface="Malgun Gothic Semilight" panose="020B0502040204020203" pitchFamily="50" charset="-128"/>
+              </a:rPr>
+              <a:t>殺すたびに正義が揺らぎ、幻聴が心を</a:t>
+            </a:r>
+            <a:r>
+              <a:rPr lang="ja-JP" altLang="en-US" sz="2000" b="1" dirty="0">
+                <a:solidFill>
+                  <a:srgbClr val="9933FF"/>
+                </a:solidFill>
+                <a:latin typeface="Malgun Gothic Semilight" panose="020B0502040204020203" pitchFamily="50" charset="-128"/>
+                <a:ea typeface="Malgun Gothic Semilight" panose="020B0502040204020203" pitchFamily="50" charset="-128"/>
+                <a:cs typeface="Malgun Gothic Semilight" panose="020B0502040204020203" pitchFamily="50" charset="-128"/>
+              </a:rPr>
+              <a:t>蝕んでいく</a:t>
+            </a:r>
+            <a:r>
+              <a:rPr lang="ja-JP" altLang="en-US" sz="2000" b="1" dirty="0">
+                <a:latin typeface="Malgun Gothic Semilight" panose="020B0502040204020203" pitchFamily="50" charset="-128"/>
+                <a:ea typeface="Malgun Gothic Semilight" panose="020B0502040204020203" pitchFamily="50" charset="-128"/>
+                <a:cs typeface="Malgun Gothic Semilight" panose="020B0502040204020203" pitchFamily="50" charset="-128"/>
+              </a:rPr>
+              <a:t>。</a:t>
+            </a:r>
+            <a:br>
+              <a:rPr lang="en-US" altLang="ja-JP" sz="2000" b="1" dirty="0">
+                <a:latin typeface="Malgun Gothic Semilight" panose="020B0502040204020203" pitchFamily="50" charset="-128"/>
+                <a:ea typeface="Malgun Gothic Semilight" panose="020B0502040204020203" pitchFamily="50" charset="-128"/>
+                <a:cs typeface="Malgun Gothic Semilight" panose="020B0502040204020203" pitchFamily="50" charset="-128"/>
+              </a:rPr>
+            </a:br>
+            <a:r>
+              <a:rPr lang="ja-JP" altLang="en-US" sz="2000" b="1" dirty="0">
+                <a:latin typeface="Malgun Gothic Semilight" panose="020B0502040204020203" pitchFamily="50" charset="-128"/>
+                <a:ea typeface="Malgun Gothic Semilight" panose="020B0502040204020203" pitchFamily="50" charset="-128"/>
+                <a:cs typeface="Malgun Gothic Semilight" panose="020B0502040204020203" pitchFamily="50" charset="-128"/>
+              </a:rPr>
+              <a:t>正義とはーーー。</a:t>
+            </a:r>
+            <a:endParaRPr kumimoji="1" lang="ja-JP" altLang="en-US" sz="2000" dirty="0"/>
           </a:p>
         </p:txBody>
       </p:sp>
     </p:spTree>
     <p:extLst>
       <p:ext uri="{BB962C8B-B14F-4D97-AF65-F5344CB8AC3E}">
-        <p14:creationId xmlns:p14="http://schemas.microsoft.com/office/powerpoint/2010/main" val="683428511"/>
+        <p14:creationId xmlns:p14="http://schemas.microsoft.com/office/powerpoint/2010/main" val="3341052552"/>
+      </p:ext>
+    </p:extLst>
+  </p:cSld>
+  <p:clrMapOvr>
+    <a:masterClrMapping/>
+  </p:clrMapOvr>
+</p:sld>
+</file>
+
+<file path=ppt/slides/slide5.xml><?xml version="1.0" encoding="utf-8"?>
+<p:sld xmlns:a="http://schemas.openxmlformats.org/drawingml/2006/main" xmlns:r="http://schemas.openxmlformats.org/officeDocument/2006/relationships" xmlns:p="http://schemas.openxmlformats.org/presentationml/2006/main">
+  <p:cSld>
+    <p:spTree>
+      <p:nvGrpSpPr>
+        <p:cNvPr id="1" name=""/>
+        <p:cNvGrpSpPr/>
+        <p:nvPr/>
+      </p:nvGrpSpPr>
+      <p:grpSpPr>
+        <a:xfrm>
+          <a:off x="0" y="0"/>
+          <a:ext cx="0" cy="0"/>
+          <a:chOff x="0" y="0"/>
+          <a:chExt cx="0" cy="0"/>
+        </a:xfrm>
+      </p:grpSpPr>
+      <p:sp>
+        <p:nvSpPr>
+          <p:cNvPr id="4" name="タイトル 1">
+            <a:extLst>
+              <a:ext uri="{FF2B5EF4-FFF2-40B4-BE49-F238E27FC236}">
+                <a16:creationId xmlns:a16="http://schemas.microsoft.com/office/drawing/2014/main" id="{6D2B30AB-63AC-04A6-F34B-2391DACD33C2}"/>
+              </a:ext>
+            </a:extLst>
+          </p:cNvPr>
+          <p:cNvSpPr txBox="1">
+            <a:spLocks/>
+          </p:cNvSpPr>
+          <p:nvPr/>
+        </p:nvSpPr>
+        <p:spPr>
+          <a:xfrm>
+            <a:off x="333375" y="-339725"/>
+            <a:ext cx="5762625" cy="2387600"/>
+          </a:xfrm>
+          <a:prstGeom prst="rect">
+            <a:avLst/>
+          </a:prstGeom>
+        </p:spPr>
+        <p:txBody>
+          <a:bodyPr vert="horz" lIns="91440" tIns="45720" rIns="91440" bIns="45720" rtlCol="0" anchor="ctr">
+            <a:normAutofit/>
+          </a:bodyPr>
+          <a:lstStyle>
+            <a:lvl1pPr algn="l" defTabSz="914400" rtl="0" eaLnBrk="1" latinLnBrk="0" hangingPunct="1">
+              <a:lnSpc>
+                <a:spcPct val="90000"/>
+              </a:lnSpc>
+              <a:spcBef>
+                <a:spcPct val="0"/>
+              </a:spcBef>
+              <a:buNone/>
+              <a:defRPr kumimoji="1" sz="4400" kern="1200">
+                <a:solidFill>
+                  <a:schemeClr val="tx1"/>
+                </a:solidFill>
+                <a:latin typeface="+mj-lt"/>
+                <a:ea typeface="+mj-ea"/>
+                <a:cs typeface="+mj-cs"/>
+              </a:defRPr>
+            </a:lvl1pPr>
+          </a:lstStyle>
+          <a:p>
+            <a:r>
+              <a:rPr lang="ja-JP" altLang="en-US" sz="5400" b="1" dirty="0">
+                <a:latin typeface="Malgun Gothic Semilight" panose="020B0502040204020203" pitchFamily="50" charset="-128"/>
+                <a:ea typeface="Malgun Gothic Semilight" panose="020B0502040204020203" pitchFamily="50" charset="-128"/>
+                <a:cs typeface="Malgun Gothic Semilight" panose="020B0502040204020203" pitchFamily="50" charset="-128"/>
+              </a:rPr>
+              <a:t>登場人物</a:t>
+            </a:r>
+          </a:p>
+        </p:txBody>
+      </p:sp>
+    </p:spTree>
+    <p:extLst>
+      <p:ext uri="{BB962C8B-B14F-4D97-AF65-F5344CB8AC3E}">
+        <p14:creationId xmlns:p14="http://schemas.microsoft.com/office/powerpoint/2010/main" val="1746780600"/>
+      </p:ext>
+    </p:extLst>
+  </p:cSld>
+  <p:clrMapOvr>
+    <a:masterClrMapping/>
+  </p:clrMapOvr>
+</p:sld>
+</file>
+
+<file path=ppt/slides/slide6.xml><?xml version="1.0" encoding="utf-8"?>
+<p:sld xmlns:a="http://schemas.openxmlformats.org/drawingml/2006/main" xmlns:r="http://schemas.openxmlformats.org/officeDocument/2006/relationships" xmlns:p="http://schemas.openxmlformats.org/presentationml/2006/main">
+  <p:cSld>
+    <p:spTree>
+      <p:nvGrpSpPr>
+        <p:cNvPr id="1" name="">
+          <a:extLst>
+            <a:ext uri="{FF2B5EF4-FFF2-40B4-BE49-F238E27FC236}">
+              <a16:creationId xmlns:a16="http://schemas.microsoft.com/office/drawing/2014/main" id="{6882F301-6126-C19D-9644-EE7680C350D7}"/>
+            </a:ext>
+          </a:extLst>
+        </p:cNvPr>
+        <p:cNvGrpSpPr/>
+        <p:nvPr/>
+      </p:nvGrpSpPr>
+      <p:grpSpPr>
+        <a:xfrm>
+          <a:off x="0" y="0"/>
+          <a:ext cx="0" cy="0"/>
+          <a:chOff x="0" y="0"/>
+          <a:chExt cx="0" cy="0"/>
+        </a:xfrm>
+      </p:grpSpPr>
+      <p:sp>
+        <p:nvSpPr>
+          <p:cNvPr id="4" name="タイトル 1">
+            <a:extLst>
+              <a:ext uri="{FF2B5EF4-FFF2-40B4-BE49-F238E27FC236}">
+                <a16:creationId xmlns:a16="http://schemas.microsoft.com/office/drawing/2014/main" id="{4099502A-AA81-4A9A-72F0-FE5FDCAF224E}"/>
+              </a:ext>
+            </a:extLst>
+          </p:cNvPr>
+          <p:cNvSpPr txBox="1">
+            <a:spLocks/>
+          </p:cNvSpPr>
+          <p:nvPr/>
+        </p:nvSpPr>
+        <p:spPr>
+          <a:xfrm>
+            <a:off x="333375" y="-339725"/>
+            <a:ext cx="5762625" cy="2387600"/>
+          </a:xfrm>
+          <a:prstGeom prst="rect">
+            <a:avLst/>
+          </a:prstGeom>
+        </p:spPr>
+        <p:txBody>
+          <a:bodyPr vert="horz" lIns="91440" tIns="45720" rIns="91440" bIns="45720" rtlCol="0" anchor="ctr">
+            <a:normAutofit/>
+          </a:bodyPr>
+          <a:lstStyle>
+            <a:lvl1pPr algn="l" defTabSz="914400" rtl="0" eaLnBrk="1" latinLnBrk="0" hangingPunct="1">
+              <a:lnSpc>
+                <a:spcPct val="90000"/>
+              </a:lnSpc>
+              <a:spcBef>
+                <a:spcPct val="0"/>
+              </a:spcBef>
+              <a:buNone/>
+              <a:defRPr kumimoji="1" sz="4400" kern="1200">
+                <a:solidFill>
+                  <a:schemeClr val="tx1"/>
+                </a:solidFill>
+                <a:latin typeface="+mj-lt"/>
+                <a:ea typeface="+mj-ea"/>
+                <a:cs typeface="+mj-cs"/>
+              </a:defRPr>
+            </a:lvl1pPr>
+          </a:lstStyle>
+          <a:p>
+            <a:r>
+              <a:rPr lang="ja-JP" altLang="en-US" sz="5400" b="1" dirty="0">
+                <a:latin typeface="Malgun Gothic Semilight" panose="020B0502040204020203" pitchFamily="50" charset="-128"/>
+                <a:ea typeface="Malgun Gothic Semilight" panose="020B0502040204020203" pitchFamily="50" charset="-128"/>
+                <a:cs typeface="Malgun Gothic Semilight" panose="020B0502040204020203" pitchFamily="50" charset="-128"/>
+              </a:rPr>
+              <a:t>ゲーム概要</a:t>
+            </a:r>
+          </a:p>
+        </p:txBody>
+      </p:sp>
+      <p:sp>
+        <p:nvSpPr>
+          <p:cNvPr id="5" name="タイトル 1">
+            <a:extLst>
+              <a:ext uri="{FF2B5EF4-FFF2-40B4-BE49-F238E27FC236}">
+                <a16:creationId xmlns:a16="http://schemas.microsoft.com/office/drawing/2014/main" id="{5FC50CBB-FA8B-D64C-5147-9B20CFBD026C}"/>
+              </a:ext>
+            </a:extLst>
+          </p:cNvPr>
+          <p:cNvSpPr txBox="1">
+            <a:spLocks/>
+          </p:cNvSpPr>
+          <p:nvPr/>
+        </p:nvSpPr>
+        <p:spPr>
+          <a:xfrm>
+            <a:off x="333375" y="1689100"/>
+            <a:ext cx="11606213" cy="5473700"/>
+          </a:xfrm>
+          <a:prstGeom prst="rect">
+            <a:avLst/>
+          </a:prstGeom>
+        </p:spPr>
+        <p:txBody>
+          <a:bodyPr vert="horz" lIns="91440" tIns="45720" rIns="91440" bIns="45720" rtlCol="0" anchor="t">
+            <a:normAutofit/>
+          </a:bodyPr>
+          <a:lstStyle>
+            <a:lvl1pPr algn="l" defTabSz="914400" rtl="0" eaLnBrk="1" latinLnBrk="0" hangingPunct="1">
+              <a:lnSpc>
+                <a:spcPct val="90000"/>
+              </a:lnSpc>
+              <a:spcBef>
+                <a:spcPct val="0"/>
+              </a:spcBef>
+              <a:buNone/>
+              <a:defRPr kumimoji="1" sz="4400" kern="1200">
+                <a:solidFill>
+                  <a:schemeClr val="tx1"/>
+                </a:solidFill>
+                <a:latin typeface="+mj-lt"/>
+                <a:ea typeface="+mj-ea"/>
+                <a:cs typeface="+mj-cs"/>
+              </a:defRPr>
+            </a:lvl1pPr>
+          </a:lstStyle>
+          <a:p>
+            <a:pPr>
+              <a:lnSpc>
+                <a:spcPct val="150000"/>
+              </a:lnSpc>
+            </a:pPr>
+            <a:r>
+              <a:rPr lang="ja-JP" altLang="en-US" sz="2800" b="1" dirty="0">
+                <a:latin typeface="Malgun Gothic Semilight" panose="020B0502040204020203" pitchFamily="50" charset="-128"/>
+                <a:ea typeface="Malgun Gothic Semilight" panose="020B0502040204020203" pitchFamily="50" charset="-128"/>
+                <a:cs typeface="Malgun Gothic Semilight" panose="020B0502040204020203" pitchFamily="50" charset="-128"/>
+              </a:rPr>
+              <a:t>ジャンル　　　　：</a:t>
+            </a:r>
+            <a:r>
+              <a:rPr lang="en-US" altLang="ja-JP" sz="2800" b="1" dirty="0">
+                <a:latin typeface="Malgun Gothic Semilight" panose="020B0502040204020203" pitchFamily="50" charset="-128"/>
+                <a:ea typeface="Malgun Gothic Semilight" panose="020B0502040204020203" pitchFamily="50" charset="-128"/>
+                <a:cs typeface="Malgun Gothic Semilight" panose="020B0502040204020203" pitchFamily="50" charset="-128"/>
+              </a:rPr>
+              <a:t>2D</a:t>
+            </a:r>
+            <a:r>
+              <a:rPr lang="ja-JP" altLang="en-US" sz="2800" b="1" dirty="0">
+                <a:latin typeface="Malgun Gothic Semilight" panose="020B0502040204020203" pitchFamily="50" charset="-128"/>
+                <a:ea typeface="Malgun Gothic Semilight" panose="020B0502040204020203" pitchFamily="50" charset="-128"/>
+                <a:cs typeface="Malgun Gothic Semilight" panose="020B0502040204020203" pitchFamily="50" charset="-128"/>
+              </a:rPr>
+              <a:t>横スクロール、ダークファンタージアクション</a:t>
+            </a:r>
+            <a:endParaRPr lang="en-US" altLang="ja-JP" sz="2800" b="1" dirty="0">
+              <a:latin typeface="Malgun Gothic Semilight" panose="020B0502040204020203" pitchFamily="50" charset="-128"/>
+              <a:ea typeface="Malgun Gothic Semilight" panose="020B0502040204020203" pitchFamily="50" charset="-128"/>
+              <a:cs typeface="Malgun Gothic Semilight" panose="020B0502040204020203" pitchFamily="50" charset="-128"/>
+            </a:endParaRPr>
+          </a:p>
+          <a:p>
+            <a:pPr>
+              <a:lnSpc>
+                <a:spcPct val="150000"/>
+              </a:lnSpc>
+            </a:pPr>
+            <a:r>
+              <a:rPr lang="ja-JP" altLang="en-US" sz="2800" b="1" dirty="0">
+                <a:latin typeface="Malgun Gothic Semilight" panose="020B0502040204020203" pitchFamily="50" charset="-128"/>
+                <a:ea typeface="Malgun Gothic Semilight" panose="020B0502040204020203" pitchFamily="50" charset="-128"/>
+                <a:cs typeface="Malgun Gothic Semilight" panose="020B0502040204020203" pitchFamily="50" charset="-128"/>
+              </a:rPr>
+              <a:t>プレイ人数　　　：</a:t>
+            </a:r>
+            <a:r>
+              <a:rPr lang="en-US" altLang="ja-JP" sz="2800" b="1" dirty="0">
+                <a:latin typeface="Malgun Gothic Semilight" panose="020B0502040204020203" pitchFamily="50" charset="-128"/>
+                <a:ea typeface="Malgun Gothic Semilight" panose="020B0502040204020203" pitchFamily="50" charset="-128"/>
+                <a:cs typeface="Malgun Gothic Semilight" panose="020B0502040204020203" pitchFamily="50" charset="-128"/>
+              </a:rPr>
+              <a:t>1</a:t>
+            </a:r>
+            <a:r>
+              <a:rPr lang="ja-JP" altLang="en-US" sz="2800" b="1" dirty="0">
+                <a:latin typeface="Malgun Gothic Semilight" panose="020B0502040204020203" pitchFamily="50" charset="-128"/>
+                <a:ea typeface="Malgun Gothic Semilight" panose="020B0502040204020203" pitchFamily="50" charset="-128"/>
+                <a:cs typeface="Malgun Gothic Semilight" panose="020B0502040204020203" pitchFamily="50" charset="-128"/>
+              </a:rPr>
+              <a:t>人</a:t>
+            </a:r>
+            <a:endParaRPr lang="en-US" altLang="ja-JP" sz="2800" b="1" dirty="0">
+              <a:latin typeface="Malgun Gothic Semilight" panose="020B0502040204020203" pitchFamily="50" charset="-128"/>
+              <a:ea typeface="Malgun Gothic Semilight" panose="020B0502040204020203" pitchFamily="50" charset="-128"/>
+              <a:cs typeface="Malgun Gothic Semilight" panose="020B0502040204020203" pitchFamily="50" charset="-128"/>
+            </a:endParaRPr>
+          </a:p>
+          <a:p>
+            <a:pPr>
+              <a:lnSpc>
+                <a:spcPct val="150000"/>
+              </a:lnSpc>
+            </a:pPr>
+            <a:r>
+              <a:rPr lang="ja-JP" altLang="en-US" sz="2800" b="1" dirty="0">
+                <a:latin typeface="Malgun Gothic Semilight" panose="020B0502040204020203" pitchFamily="50" charset="-128"/>
+                <a:ea typeface="Malgun Gothic Semilight" panose="020B0502040204020203" pitchFamily="50" charset="-128"/>
+                <a:cs typeface="Malgun Gothic Semilight" panose="020B0502040204020203" pitchFamily="50" charset="-128"/>
+              </a:rPr>
+              <a:t>プラットフォーム：</a:t>
+            </a:r>
+            <a:r>
+              <a:rPr lang="en-US" altLang="ja-JP" sz="2800" b="1" dirty="0">
+                <a:latin typeface="Malgun Gothic Semilight" panose="020B0502040204020203" pitchFamily="50" charset="-128"/>
+                <a:ea typeface="Malgun Gothic Semilight" panose="020B0502040204020203" pitchFamily="50" charset="-128"/>
+                <a:cs typeface="Malgun Gothic Semilight" panose="020B0502040204020203" pitchFamily="50" charset="-128"/>
+              </a:rPr>
+              <a:t>Windows</a:t>
+            </a:r>
+          </a:p>
+          <a:p>
+            <a:pPr>
+              <a:lnSpc>
+                <a:spcPct val="150000"/>
+              </a:lnSpc>
+            </a:pPr>
+            <a:r>
+              <a:rPr lang="ja-JP" altLang="en-US" sz="2800" b="1" dirty="0">
+                <a:latin typeface="Malgun Gothic Semilight" panose="020B0502040204020203" pitchFamily="50" charset="-128"/>
+                <a:ea typeface="Malgun Gothic Semilight" panose="020B0502040204020203" pitchFamily="50" charset="-128"/>
+                <a:cs typeface="Malgun Gothic Semilight" panose="020B0502040204020203" pitchFamily="50" charset="-128"/>
+              </a:rPr>
+              <a:t>操作　　　　　　：ゲームパッド推奨（キーボード </a:t>
+            </a:r>
+            <a:r>
+              <a:rPr lang="en-US" altLang="ja-JP" sz="2800" b="1" dirty="0">
+                <a:latin typeface="Malgun Gothic Semilight" panose="020B0502040204020203" pitchFamily="50" charset="-128"/>
+                <a:ea typeface="Malgun Gothic Semilight" panose="020B0502040204020203" pitchFamily="50" charset="-128"/>
+                <a:cs typeface="Malgun Gothic Semilight" panose="020B0502040204020203" pitchFamily="50" charset="-128"/>
+              </a:rPr>
+              <a:t>or </a:t>
+            </a:r>
+            <a:r>
+              <a:rPr lang="ja-JP" altLang="en-US" sz="2800" b="1" dirty="0">
+                <a:latin typeface="Malgun Gothic Semilight" panose="020B0502040204020203" pitchFamily="50" charset="-128"/>
+                <a:ea typeface="Malgun Gothic Semilight" panose="020B0502040204020203" pitchFamily="50" charset="-128"/>
+                <a:cs typeface="Malgun Gothic Semilight" panose="020B0502040204020203" pitchFamily="50" charset="-128"/>
+              </a:rPr>
+              <a:t>ゲームパッド）</a:t>
+            </a:r>
+            <a:endParaRPr lang="en-US" altLang="ja-JP" sz="2800" b="1" dirty="0">
+              <a:latin typeface="Malgun Gothic Semilight" panose="020B0502040204020203" pitchFamily="50" charset="-128"/>
+              <a:ea typeface="Malgun Gothic Semilight" panose="020B0502040204020203" pitchFamily="50" charset="-128"/>
+              <a:cs typeface="Malgun Gothic Semilight" panose="020B0502040204020203" pitchFamily="50" charset="-128"/>
+            </a:endParaRPr>
+          </a:p>
+          <a:p>
+            <a:pPr>
+              <a:lnSpc>
+                <a:spcPct val="150000"/>
+              </a:lnSpc>
+            </a:pPr>
+            <a:r>
+              <a:rPr lang="ja-JP" altLang="en-US" sz="2800" b="1" dirty="0">
+                <a:latin typeface="Malgun Gothic Semilight" panose="020B0502040204020203" pitchFamily="50" charset="-128"/>
+                <a:ea typeface="Malgun Gothic Semilight" panose="020B0502040204020203" pitchFamily="50" charset="-128"/>
+                <a:cs typeface="Malgun Gothic Semilight" panose="020B0502040204020203" pitchFamily="50" charset="-128"/>
+              </a:rPr>
+              <a:t>開発環境　　　　：</a:t>
+            </a:r>
+            <a:r>
+              <a:rPr lang="en-US" altLang="ja-JP" sz="2800" b="1" dirty="0">
+                <a:latin typeface="Malgun Gothic Semilight" panose="020B0502040204020203" pitchFamily="50" charset="-128"/>
+                <a:ea typeface="Malgun Gothic Semilight" panose="020B0502040204020203" pitchFamily="50" charset="-128"/>
+                <a:cs typeface="Malgun Gothic Semilight" panose="020B0502040204020203" pitchFamily="50" charset="-128"/>
+              </a:rPr>
+              <a:t>C++ / </a:t>
+            </a:r>
+            <a:r>
+              <a:rPr lang="ja-JP" altLang="en-US" sz="2800" b="1" dirty="0">
+                <a:latin typeface="Malgun Gothic Semilight" panose="020B0502040204020203" pitchFamily="50" charset="-128"/>
+                <a:ea typeface="Malgun Gothic Semilight" panose="020B0502040204020203" pitchFamily="50" charset="-128"/>
+                <a:cs typeface="Malgun Gothic Semilight" panose="020B0502040204020203" pitchFamily="50" charset="-128"/>
+              </a:rPr>
+              <a:t>自作</a:t>
+            </a:r>
+            <a:r>
+              <a:rPr lang="en-US" altLang="ja-JP" sz="2800" b="1" dirty="0">
+                <a:latin typeface="Malgun Gothic Semilight" panose="020B0502040204020203" pitchFamily="50" charset="-128"/>
+                <a:ea typeface="Malgun Gothic Semilight" panose="020B0502040204020203" pitchFamily="50" charset="-128"/>
+                <a:cs typeface="Malgun Gothic Semilight" panose="020B0502040204020203" pitchFamily="50" charset="-128"/>
+              </a:rPr>
+              <a:t>ECS</a:t>
+            </a:r>
+            <a:r>
+              <a:rPr lang="ja-JP" altLang="en-US" sz="2800" b="1" dirty="0">
+                <a:latin typeface="Malgun Gothic Semilight" panose="020B0502040204020203" pitchFamily="50" charset="-128"/>
+                <a:ea typeface="Malgun Gothic Semilight" panose="020B0502040204020203" pitchFamily="50" charset="-128"/>
+                <a:cs typeface="Malgun Gothic Semilight" panose="020B0502040204020203" pitchFamily="50" charset="-128"/>
+              </a:rPr>
+              <a:t>フレームワーク（</a:t>
+            </a:r>
+            <a:r>
+              <a:rPr lang="en-US" altLang="ja-JP" sz="2800" b="1" dirty="0">
+                <a:latin typeface="Malgun Gothic Semilight" panose="020B0502040204020203" pitchFamily="50" charset="-128"/>
+                <a:ea typeface="Malgun Gothic Semilight" panose="020B0502040204020203" pitchFamily="50" charset="-128"/>
+                <a:cs typeface="Malgun Gothic Semilight" panose="020B0502040204020203" pitchFamily="50" charset="-128"/>
+              </a:rPr>
+              <a:t>SFML</a:t>
+            </a:r>
+            <a:r>
+              <a:rPr lang="ja-JP" altLang="en-US" sz="2800" b="1" dirty="0">
+                <a:latin typeface="Malgun Gothic Semilight" panose="020B0502040204020203" pitchFamily="50" charset="-128"/>
+                <a:ea typeface="Malgun Gothic Semilight" panose="020B0502040204020203" pitchFamily="50" charset="-128"/>
+                <a:cs typeface="Malgun Gothic Semilight" panose="020B0502040204020203" pitchFamily="50" charset="-128"/>
+              </a:rPr>
+              <a:t>使用）</a:t>
+            </a:r>
+            <a:endParaRPr lang="en-US" altLang="ja-JP" sz="2800" b="1" dirty="0">
+              <a:latin typeface="Malgun Gothic Semilight" panose="020B0502040204020203" pitchFamily="50" charset="-128"/>
+              <a:ea typeface="Malgun Gothic Semilight" panose="020B0502040204020203" pitchFamily="50" charset="-128"/>
+              <a:cs typeface="Malgun Gothic Semilight" panose="020B0502040204020203" pitchFamily="50" charset="-128"/>
+            </a:endParaRPr>
+          </a:p>
+          <a:p>
+            <a:pPr>
+              <a:lnSpc>
+                <a:spcPct val="150000"/>
+              </a:lnSpc>
+            </a:pPr>
+            <a:r>
+              <a:rPr lang="ja-JP" altLang="en-US" sz="2800" b="1" dirty="0">
+                <a:latin typeface="Malgun Gothic Semilight" panose="020B0502040204020203" pitchFamily="50" charset="-128"/>
+                <a:ea typeface="Malgun Gothic Semilight" panose="020B0502040204020203" pitchFamily="50" charset="-128"/>
+                <a:cs typeface="Malgun Gothic Semilight" panose="020B0502040204020203" pitchFamily="50" charset="-128"/>
+              </a:rPr>
+              <a:t>ライブラリ　　　：</a:t>
+            </a:r>
+            <a:r>
+              <a:rPr lang="en-US" altLang="ja-JP" sz="2800" b="1" dirty="0">
+                <a:latin typeface="Malgun Gothic Semilight" panose="020B0502040204020203" pitchFamily="50" charset="-128"/>
+                <a:ea typeface="Malgun Gothic Semilight" panose="020B0502040204020203" pitchFamily="50" charset="-128"/>
+                <a:cs typeface="Malgun Gothic Semilight" panose="020B0502040204020203" pitchFamily="50" charset="-128"/>
+              </a:rPr>
+              <a:t>STL / SFML / </a:t>
+            </a:r>
+            <a:r>
+              <a:rPr lang="en-US" altLang="ja-JP" sz="2800" b="1" dirty="0" err="1">
+                <a:latin typeface="Malgun Gothic Semilight" panose="020B0502040204020203" pitchFamily="50" charset="-128"/>
+                <a:ea typeface="Malgun Gothic Semilight" panose="020B0502040204020203" pitchFamily="50" charset="-128"/>
+                <a:cs typeface="Malgun Gothic Semilight" panose="020B0502040204020203" pitchFamily="50" charset="-128"/>
+              </a:rPr>
+              <a:t>ImGui</a:t>
+            </a:r>
+            <a:r>
+              <a:rPr lang="en-US" altLang="ja-JP" sz="2800" b="1" dirty="0">
+                <a:latin typeface="Malgun Gothic Semilight" panose="020B0502040204020203" pitchFamily="50" charset="-128"/>
+                <a:ea typeface="Malgun Gothic Semilight" panose="020B0502040204020203" pitchFamily="50" charset="-128"/>
+                <a:cs typeface="Malgun Gothic Semilight" panose="020B0502040204020203" pitchFamily="50" charset="-128"/>
+              </a:rPr>
+              <a:t> / Cereal / </a:t>
+            </a:r>
+            <a:r>
+              <a:rPr lang="en-US" altLang="ja-JP" sz="2800" b="1" dirty="0" err="1">
+                <a:latin typeface="Malgun Gothic Semilight" panose="020B0502040204020203" pitchFamily="50" charset="-128"/>
+                <a:ea typeface="Malgun Gothic Semilight" panose="020B0502040204020203" pitchFamily="50" charset="-128"/>
+                <a:cs typeface="Malgun Gothic Semilight" panose="020B0502040204020203" pitchFamily="50" charset="-128"/>
+              </a:rPr>
+              <a:t>XInput</a:t>
+            </a:r>
+            <a:r>
+              <a:rPr lang="en-US" altLang="ja-JP" sz="2800" b="1" dirty="0">
+                <a:latin typeface="Malgun Gothic Semilight" panose="020B0502040204020203" pitchFamily="50" charset="-128"/>
+                <a:ea typeface="Malgun Gothic Semilight" panose="020B0502040204020203" pitchFamily="50" charset="-128"/>
+                <a:cs typeface="Malgun Gothic Semilight" panose="020B0502040204020203" pitchFamily="50" charset="-128"/>
+              </a:rPr>
+              <a:t> / </a:t>
+            </a:r>
+            <a:r>
+              <a:rPr lang="en-US" altLang="ja-JP" sz="2800" b="1" dirty="0" err="1">
+                <a:latin typeface="Malgun Gothic Semilight" panose="020B0502040204020203" pitchFamily="50" charset="-128"/>
+                <a:ea typeface="Malgun Gothic Semilight" panose="020B0502040204020203" pitchFamily="50" charset="-128"/>
+                <a:cs typeface="Malgun Gothic Semilight" panose="020B0502040204020203" pitchFamily="50" charset="-128"/>
+              </a:rPr>
+              <a:t>SQlite</a:t>
+            </a:r>
+            <a:endParaRPr lang="en-US" altLang="ja-JP" sz="2800" b="1" dirty="0">
+              <a:latin typeface="Malgun Gothic Semilight" panose="020B0502040204020203" pitchFamily="50" charset="-128"/>
+              <a:ea typeface="Malgun Gothic Semilight" panose="020B0502040204020203" pitchFamily="50" charset="-128"/>
+              <a:cs typeface="Malgun Gothic Semilight" panose="020B0502040204020203" pitchFamily="50" charset="-128"/>
+            </a:endParaRPr>
+          </a:p>
+          <a:p>
+            <a:pPr>
+              <a:lnSpc>
+                <a:spcPct val="150000"/>
+              </a:lnSpc>
+            </a:pPr>
+            <a:endParaRPr lang="en-US" altLang="ja-JP" sz="2800" b="1" dirty="0">
+              <a:latin typeface="Malgun Gothic Semilight" panose="020B0502040204020203" pitchFamily="50" charset="-128"/>
+              <a:ea typeface="Malgun Gothic Semilight" panose="020B0502040204020203" pitchFamily="50" charset="-128"/>
+              <a:cs typeface="Malgun Gothic Semilight" panose="020B0502040204020203" pitchFamily="50" charset="-128"/>
+            </a:endParaRPr>
+          </a:p>
+          <a:p>
+            <a:pPr>
+              <a:lnSpc>
+                <a:spcPct val="150000"/>
+              </a:lnSpc>
+            </a:pPr>
+            <a:endParaRPr lang="ja-JP" altLang="en-US" sz="2800" b="1" dirty="0">
+              <a:latin typeface="Malgun Gothic Semilight" panose="020B0502040204020203" pitchFamily="50" charset="-128"/>
+              <a:ea typeface="Malgun Gothic Semilight" panose="020B0502040204020203" pitchFamily="50" charset="-128"/>
+              <a:cs typeface="Malgun Gothic Semilight" panose="020B0502040204020203" pitchFamily="50" charset="-128"/>
+            </a:endParaRPr>
+          </a:p>
+        </p:txBody>
+      </p:sp>
+    </p:spTree>
+    <p:extLst>
+      <p:ext uri="{BB962C8B-B14F-4D97-AF65-F5344CB8AC3E}">
+        <p14:creationId xmlns:p14="http://schemas.microsoft.com/office/powerpoint/2010/main" val="516493707"/>
+      </p:ext>
+    </p:extLst>
+  </p:cSld>
+  <p:clrMapOvr>
+    <a:masterClrMapping/>
+  </p:clrMapOvr>
+</p:sld>
+</file>
+
+<file path=ppt/slides/slide7.xml><?xml version="1.0" encoding="utf-8"?>
+<p:sld xmlns:a="http://schemas.openxmlformats.org/drawingml/2006/main" xmlns:r="http://schemas.openxmlformats.org/officeDocument/2006/relationships" xmlns:p="http://schemas.openxmlformats.org/presentationml/2006/main">
+  <p:cSld>
+    <p:spTree>
+      <p:nvGrpSpPr>
+        <p:cNvPr id="1" name="">
+          <a:extLst>
+            <a:ext uri="{FF2B5EF4-FFF2-40B4-BE49-F238E27FC236}">
+              <a16:creationId xmlns:a16="http://schemas.microsoft.com/office/drawing/2014/main" id="{74B3E96C-11E5-0249-D5F2-C9571E95D6E2}"/>
+            </a:ext>
+          </a:extLst>
+        </p:cNvPr>
+        <p:cNvGrpSpPr/>
+        <p:nvPr/>
+      </p:nvGrpSpPr>
+      <p:grpSpPr>
+        <a:xfrm>
+          <a:off x="0" y="0"/>
+          <a:ext cx="0" cy="0"/>
+          <a:chOff x="0" y="0"/>
+          <a:chExt cx="0" cy="0"/>
+        </a:xfrm>
+      </p:grpSpPr>
+      <p:sp>
+        <p:nvSpPr>
+          <p:cNvPr id="4" name="タイトル 1">
+            <a:extLst>
+              <a:ext uri="{FF2B5EF4-FFF2-40B4-BE49-F238E27FC236}">
+                <a16:creationId xmlns:a16="http://schemas.microsoft.com/office/drawing/2014/main" id="{E63A03DA-D8C9-A140-12B8-7C351FFB6F5E}"/>
+              </a:ext>
+            </a:extLst>
+          </p:cNvPr>
+          <p:cNvSpPr txBox="1">
+            <a:spLocks/>
+          </p:cNvSpPr>
+          <p:nvPr/>
+        </p:nvSpPr>
+        <p:spPr>
+          <a:xfrm>
+            <a:off x="333375" y="-339725"/>
+            <a:ext cx="5762625" cy="2387600"/>
+          </a:xfrm>
+          <a:prstGeom prst="rect">
+            <a:avLst/>
+          </a:prstGeom>
+        </p:spPr>
+        <p:txBody>
+          <a:bodyPr vert="horz" lIns="91440" tIns="45720" rIns="91440" bIns="45720" rtlCol="0" anchor="ctr">
+            <a:normAutofit/>
+          </a:bodyPr>
+          <a:lstStyle>
+            <a:lvl1pPr algn="l" defTabSz="914400" rtl="0" eaLnBrk="1" latinLnBrk="0" hangingPunct="1">
+              <a:lnSpc>
+                <a:spcPct val="90000"/>
+              </a:lnSpc>
+              <a:spcBef>
+                <a:spcPct val="0"/>
+              </a:spcBef>
+              <a:buNone/>
+              <a:defRPr kumimoji="1" sz="4400" kern="1200">
+                <a:solidFill>
+                  <a:schemeClr val="tx1"/>
+                </a:solidFill>
+                <a:latin typeface="+mj-lt"/>
+                <a:ea typeface="+mj-ea"/>
+                <a:cs typeface="+mj-cs"/>
+              </a:defRPr>
+            </a:lvl1pPr>
+          </a:lstStyle>
+          <a:p>
+            <a:r>
+              <a:rPr lang="ja-JP" altLang="en-US" sz="5400" b="1" dirty="0">
+                <a:latin typeface="Malgun Gothic Semilight" panose="020B0502040204020203" pitchFamily="50" charset="-128"/>
+                <a:ea typeface="Malgun Gothic Semilight" panose="020B0502040204020203" pitchFamily="50" charset="-128"/>
+                <a:cs typeface="Malgun Gothic Semilight" panose="020B0502040204020203" pitchFamily="50" charset="-128"/>
+              </a:rPr>
+              <a:t>画面イメージ</a:t>
+            </a:r>
+          </a:p>
+        </p:txBody>
+      </p:sp>
+    </p:spTree>
+    <p:extLst>
+      <p:ext uri="{BB962C8B-B14F-4D97-AF65-F5344CB8AC3E}">
+        <p14:creationId xmlns:p14="http://schemas.microsoft.com/office/powerpoint/2010/main" val="35158839"/>
+      </p:ext>
+    </p:extLst>
+  </p:cSld>
+  <p:clrMapOvr>
+    <a:masterClrMapping/>
+  </p:clrMapOvr>
+</p:sld>
+</file>
+
+<file path=ppt/slides/slide8.xml><?xml version="1.0" encoding="utf-8"?>
+<p:sld xmlns:a="http://schemas.openxmlformats.org/drawingml/2006/main" xmlns:r="http://schemas.openxmlformats.org/officeDocument/2006/relationships" xmlns:p="http://schemas.openxmlformats.org/presentationml/2006/main">
+  <p:cSld>
+    <p:spTree>
+      <p:nvGrpSpPr>
+        <p:cNvPr id="1" name="">
+          <a:extLst>
+            <a:ext uri="{FF2B5EF4-FFF2-40B4-BE49-F238E27FC236}">
+              <a16:creationId xmlns:a16="http://schemas.microsoft.com/office/drawing/2014/main" id="{C7C4CF31-B646-9FCA-8F44-E1A28797F7DA}"/>
+            </a:ext>
+          </a:extLst>
+        </p:cNvPr>
+        <p:cNvGrpSpPr/>
+        <p:nvPr/>
+      </p:nvGrpSpPr>
+      <p:grpSpPr>
+        <a:xfrm>
+          <a:off x="0" y="0"/>
+          <a:ext cx="0" cy="0"/>
+          <a:chOff x="0" y="0"/>
+          <a:chExt cx="0" cy="0"/>
+        </a:xfrm>
+      </p:grpSpPr>
+      <p:sp>
+        <p:nvSpPr>
+          <p:cNvPr id="4" name="タイトル 1">
+            <a:extLst>
+              <a:ext uri="{FF2B5EF4-FFF2-40B4-BE49-F238E27FC236}">
+                <a16:creationId xmlns:a16="http://schemas.microsoft.com/office/drawing/2014/main" id="{DB48285A-E717-DA70-597A-CA11D31B5369}"/>
+              </a:ext>
+            </a:extLst>
+          </p:cNvPr>
+          <p:cNvSpPr txBox="1">
+            <a:spLocks/>
+          </p:cNvSpPr>
+          <p:nvPr/>
+        </p:nvSpPr>
+        <p:spPr>
+          <a:xfrm>
+            <a:off x="333375" y="-339725"/>
+            <a:ext cx="5762625" cy="2387600"/>
+          </a:xfrm>
+          <a:prstGeom prst="rect">
+            <a:avLst/>
+          </a:prstGeom>
+        </p:spPr>
+        <p:txBody>
+          <a:bodyPr vert="horz" lIns="91440" tIns="45720" rIns="91440" bIns="45720" rtlCol="0" anchor="ctr">
+            <a:normAutofit/>
+          </a:bodyPr>
+          <a:lstStyle>
+            <a:lvl1pPr algn="l" defTabSz="914400" rtl="0" eaLnBrk="1" latinLnBrk="0" hangingPunct="1">
+              <a:lnSpc>
+                <a:spcPct val="90000"/>
+              </a:lnSpc>
+              <a:spcBef>
+                <a:spcPct val="0"/>
+              </a:spcBef>
+              <a:buNone/>
+              <a:defRPr kumimoji="1" sz="4400" kern="1200">
+                <a:solidFill>
+                  <a:schemeClr val="tx1"/>
+                </a:solidFill>
+                <a:latin typeface="+mj-lt"/>
+                <a:ea typeface="+mj-ea"/>
+                <a:cs typeface="+mj-cs"/>
+              </a:defRPr>
+            </a:lvl1pPr>
+          </a:lstStyle>
+          <a:p>
+            <a:r>
+              <a:rPr lang="ja-JP" altLang="en-US" sz="5400" b="1" dirty="0">
+                <a:latin typeface="Malgun Gothic Semilight" panose="020B0502040204020203" pitchFamily="50" charset="-128"/>
+                <a:ea typeface="Malgun Gothic Semilight" panose="020B0502040204020203" pitchFamily="50" charset="-128"/>
+                <a:cs typeface="Malgun Gothic Semilight" panose="020B0502040204020203" pitchFamily="50" charset="-128"/>
+              </a:rPr>
+              <a:t>キーシステム</a:t>
+            </a:r>
+          </a:p>
+        </p:txBody>
+      </p:sp>
+    </p:spTree>
+    <p:extLst>
+      <p:ext uri="{BB962C8B-B14F-4D97-AF65-F5344CB8AC3E}">
+        <p14:creationId xmlns:p14="http://schemas.microsoft.com/office/powerpoint/2010/main" val="3414387714"/>
+      </p:ext>
+    </p:extLst>
+  </p:cSld>
+  <p:clrMapOvr>
+    <a:masterClrMapping/>
+  </p:clrMapOvr>
+</p:sld>
+</file>
+
+<file path=ppt/slides/slide9.xml><?xml version="1.0" encoding="utf-8"?>
+<p:sld xmlns:a="http://schemas.openxmlformats.org/drawingml/2006/main" xmlns:r="http://schemas.openxmlformats.org/officeDocument/2006/relationships" xmlns:p="http://schemas.openxmlformats.org/presentationml/2006/main">
+  <p:cSld>
+    <p:spTree>
+      <p:nvGrpSpPr>
+        <p:cNvPr id="1" name="">
+          <a:extLst>
+            <a:ext uri="{FF2B5EF4-FFF2-40B4-BE49-F238E27FC236}">
+              <a16:creationId xmlns:a16="http://schemas.microsoft.com/office/drawing/2014/main" id="{4A30EA57-C17B-15CC-DF8F-38FA971BEBF7}"/>
+            </a:ext>
+          </a:extLst>
+        </p:cNvPr>
+        <p:cNvGrpSpPr/>
+        <p:nvPr/>
+      </p:nvGrpSpPr>
+      <p:grpSpPr>
+        <a:xfrm>
+          <a:off x="0" y="0"/>
+          <a:ext cx="0" cy="0"/>
+          <a:chOff x="0" y="0"/>
+          <a:chExt cx="0" cy="0"/>
+        </a:xfrm>
+      </p:grpSpPr>
+      <p:sp>
+        <p:nvSpPr>
+          <p:cNvPr id="4" name="タイトル 1">
+            <a:extLst>
+              <a:ext uri="{FF2B5EF4-FFF2-40B4-BE49-F238E27FC236}">
+                <a16:creationId xmlns:a16="http://schemas.microsoft.com/office/drawing/2014/main" id="{42B6EDFB-1225-B23E-71AA-05B375A723A0}"/>
+              </a:ext>
+            </a:extLst>
+          </p:cNvPr>
+          <p:cNvSpPr txBox="1">
+            <a:spLocks/>
+          </p:cNvSpPr>
+          <p:nvPr/>
+        </p:nvSpPr>
+        <p:spPr>
+          <a:xfrm>
+            <a:off x="333375" y="-339725"/>
+            <a:ext cx="5762625" cy="2387600"/>
+          </a:xfrm>
+          <a:prstGeom prst="rect">
+            <a:avLst/>
+          </a:prstGeom>
+        </p:spPr>
+        <p:txBody>
+          <a:bodyPr vert="horz" lIns="91440" tIns="45720" rIns="91440" bIns="45720" rtlCol="0" anchor="ctr">
+            <a:normAutofit/>
+          </a:bodyPr>
+          <a:lstStyle>
+            <a:lvl1pPr algn="l" defTabSz="914400" rtl="0" eaLnBrk="1" latinLnBrk="0" hangingPunct="1">
+              <a:lnSpc>
+                <a:spcPct val="90000"/>
+              </a:lnSpc>
+              <a:spcBef>
+                <a:spcPct val="0"/>
+              </a:spcBef>
+              <a:buNone/>
+              <a:defRPr kumimoji="1" sz="4400" kern="1200">
+                <a:solidFill>
+                  <a:schemeClr val="tx1"/>
+                </a:solidFill>
+                <a:latin typeface="+mj-lt"/>
+                <a:ea typeface="+mj-ea"/>
+                <a:cs typeface="+mj-cs"/>
+              </a:defRPr>
+            </a:lvl1pPr>
+          </a:lstStyle>
+          <a:p>
+            <a:r>
+              <a:rPr lang="ja-JP" altLang="en-US" sz="5400" b="1" dirty="0">
+                <a:latin typeface="Malgun Gothic Semilight" panose="020B0502040204020203" pitchFamily="50" charset="-128"/>
+                <a:ea typeface="Malgun Gothic Semilight" panose="020B0502040204020203" pitchFamily="50" charset="-128"/>
+                <a:cs typeface="Malgun Gothic Semilight" panose="020B0502040204020203" pitchFamily="50" charset="-128"/>
+              </a:rPr>
+              <a:t>分岐</a:t>
+            </a:r>
+          </a:p>
+        </p:txBody>
+      </p:sp>
+    </p:spTree>
+    <p:extLst>
+      <p:ext uri="{BB962C8B-B14F-4D97-AF65-F5344CB8AC3E}">
+        <p14:creationId xmlns:p14="http://schemas.microsoft.com/office/powerpoint/2010/main" val="4257544567"/>
       </p:ext>
     </p:extLst>
   </p:cSld>
